--- a/2016-3-8-谢平家.pptx
+++ b/2016-3-8-谢平家.pptx
@@ -6,15 +6,18 @@
   </p:sldMasterIdLst>
   <p:sldIdLst>
     <p:sldId id="263" r:id="rId2"/>
-    <p:sldId id="260" r:id="rId3"/>
-    <p:sldId id="261" r:id="rId4"/>
-    <p:sldId id="262" r:id="rId5"/>
-    <p:sldId id="264" r:id="rId6"/>
-    <p:sldId id="265" r:id="rId7"/>
-    <p:sldId id="256" r:id="rId8"/>
-    <p:sldId id="257" r:id="rId9"/>
-    <p:sldId id="258" r:id="rId10"/>
-    <p:sldId id="259" r:id="rId11"/>
+    <p:sldId id="266" r:id="rId3"/>
+    <p:sldId id="260" r:id="rId4"/>
+    <p:sldId id="261" r:id="rId5"/>
+    <p:sldId id="262" r:id="rId6"/>
+    <p:sldId id="264" r:id="rId7"/>
+    <p:sldId id="265" r:id="rId8"/>
+    <p:sldId id="256" r:id="rId9"/>
+    <p:sldId id="257" r:id="rId10"/>
+    <p:sldId id="258" r:id="rId11"/>
+    <p:sldId id="259" r:id="rId12"/>
+    <p:sldId id="267" r:id="rId13"/>
+    <p:sldId id="268" r:id="rId14"/>
   </p:sldIdLst>
   <p:sldSz cx="9144000" cy="6858000" type="screen4x3"/>
   <p:notesSz cx="6858000" cy="9144000"/>
@@ -297,7 +300,7 @@
           <a:p>
             <a:fld id="{530820CF-B880-4189-942D-D702A7CBA730}" type="datetimeFigureOut">
               <a:rPr lang="zh-CN" altLang="en-US" smtClean="0"/>
-              <a:t>2016/3/8</a:t>
+              <a:t>2016/3/9</a:t>
             </a:fld>
             <a:endParaRPr lang="zh-CN" altLang="en-US"/>
           </a:p>
@@ -462,7 +465,7 @@
           <a:p>
             <a:fld id="{530820CF-B880-4189-942D-D702A7CBA730}" type="datetimeFigureOut">
               <a:rPr lang="zh-CN" altLang="en-US" smtClean="0"/>
-              <a:t>2016/3/8</a:t>
+              <a:t>2016/3/9</a:t>
             </a:fld>
             <a:endParaRPr lang="zh-CN" altLang="en-US"/>
           </a:p>
@@ -637,7 +640,7 @@
           <a:p>
             <a:fld id="{530820CF-B880-4189-942D-D702A7CBA730}" type="datetimeFigureOut">
               <a:rPr lang="zh-CN" altLang="en-US" smtClean="0"/>
-              <a:t>2016/3/8</a:t>
+              <a:t>2016/3/9</a:t>
             </a:fld>
             <a:endParaRPr lang="zh-CN" altLang="en-US"/>
           </a:p>
@@ -802,7 +805,7 @@
           <a:p>
             <a:fld id="{530820CF-B880-4189-942D-D702A7CBA730}" type="datetimeFigureOut">
               <a:rPr lang="zh-CN" altLang="en-US" smtClean="0"/>
-              <a:t>2016/3/8</a:t>
+              <a:t>2016/3/9</a:t>
             </a:fld>
             <a:endParaRPr lang="zh-CN" altLang="en-US"/>
           </a:p>
@@ -1043,7 +1046,7 @@
           <a:p>
             <a:fld id="{530820CF-B880-4189-942D-D702A7CBA730}" type="datetimeFigureOut">
               <a:rPr lang="zh-CN" altLang="en-US" smtClean="0"/>
-              <a:t>2016/3/8</a:t>
+              <a:t>2016/3/9</a:t>
             </a:fld>
             <a:endParaRPr lang="zh-CN" altLang="en-US"/>
           </a:p>
@@ -1326,7 +1329,7 @@
           <a:p>
             <a:fld id="{530820CF-B880-4189-942D-D702A7CBA730}" type="datetimeFigureOut">
               <a:rPr lang="zh-CN" altLang="en-US" smtClean="0"/>
-              <a:t>2016/3/8</a:t>
+              <a:t>2016/3/9</a:t>
             </a:fld>
             <a:endParaRPr lang="zh-CN" altLang="en-US"/>
           </a:p>
@@ -1743,7 +1746,7 @@
           <a:p>
             <a:fld id="{530820CF-B880-4189-942D-D702A7CBA730}" type="datetimeFigureOut">
               <a:rPr lang="zh-CN" altLang="en-US" smtClean="0"/>
-              <a:t>2016/3/8</a:t>
+              <a:t>2016/3/9</a:t>
             </a:fld>
             <a:endParaRPr lang="zh-CN" altLang="en-US"/>
           </a:p>
@@ -1856,7 +1859,7 @@
           <a:p>
             <a:fld id="{530820CF-B880-4189-942D-D702A7CBA730}" type="datetimeFigureOut">
               <a:rPr lang="zh-CN" altLang="en-US" smtClean="0"/>
-              <a:t>2016/3/8</a:t>
+              <a:t>2016/3/9</a:t>
             </a:fld>
             <a:endParaRPr lang="zh-CN" altLang="en-US"/>
           </a:p>
@@ -1946,7 +1949,7 @@
           <a:p>
             <a:fld id="{530820CF-B880-4189-942D-D702A7CBA730}" type="datetimeFigureOut">
               <a:rPr lang="zh-CN" altLang="en-US" smtClean="0"/>
-              <a:t>2016/3/8</a:t>
+              <a:t>2016/3/9</a:t>
             </a:fld>
             <a:endParaRPr lang="zh-CN" altLang="en-US"/>
           </a:p>
@@ -2218,7 +2221,7 @@
           <a:p>
             <a:fld id="{530820CF-B880-4189-942D-D702A7CBA730}" type="datetimeFigureOut">
               <a:rPr lang="zh-CN" altLang="en-US" smtClean="0"/>
-              <a:t>2016/3/8</a:t>
+              <a:t>2016/3/9</a:t>
             </a:fld>
             <a:endParaRPr lang="zh-CN" altLang="en-US"/>
           </a:p>
@@ -2466,7 +2469,7 @@
           <a:p>
             <a:fld id="{530820CF-B880-4189-942D-D702A7CBA730}" type="datetimeFigureOut">
               <a:rPr lang="zh-CN" altLang="en-US" smtClean="0"/>
-              <a:t>2016/3/8</a:t>
+              <a:t>2016/3/9</a:t>
             </a:fld>
             <a:endParaRPr lang="zh-CN" altLang="en-US"/>
           </a:p>
@@ -2674,7 +2677,7 @@
           <a:p>
             <a:fld id="{530820CF-B880-4189-942D-D702A7CBA730}" type="datetimeFigureOut">
               <a:rPr lang="zh-CN" altLang="en-US" smtClean="0"/>
-              <a:t>2016/3/8</a:t>
+              <a:t>2016/3/9</a:t>
             </a:fld>
             <a:endParaRPr lang="zh-CN" altLang="en-US"/>
           </a:p>
@@ -3477,6 +3480,130 @@
             </a:r>
             <a:r>
               <a:rPr lang="zh-CN" altLang="en-US" dirty="0" smtClean="0"/>
+              <a:t>算法</a:t>
+            </a:r>
+            <a:endParaRPr lang="en-US" dirty="0"/>
+          </a:p>
+        </p:txBody>
+      </p:sp>
+      <p:sp>
+        <p:nvSpPr>
+          <p:cNvPr id="3" name="内容占位符 2"/>
+          <p:cNvSpPr>
+            <a:spLocks noGrp="1"/>
+          </p:cNvSpPr>
+          <p:nvPr>
+            <p:ph idx="1"/>
+          </p:nvPr>
+        </p:nvSpPr>
+        <p:spPr/>
+        <p:txBody>
+          <a:bodyPr/>
+          <a:lstStyle/>
+          <a:p>
+            <a:pPr marL="514350" indent="-514350">
+              <a:buFont typeface="+mj-lt"/>
+              <a:buAutoNum type="arabicPeriod"/>
+            </a:pPr>
+            <a:r>
+              <a:rPr lang="zh-CN" altLang="en-US" dirty="0" smtClean="0"/>
+              <a:t>选择属性时采用信息增益率，避免采用信息增益选择属性时偏向选择选择属性取值多的属性的问题；</a:t>
+            </a:r>
+            <a:endParaRPr lang="en-US" altLang="zh-CN" dirty="0" smtClean="0"/>
+          </a:p>
+          <a:p>
+            <a:pPr marL="514350" indent="-514350">
+              <a:buFont typeface="+mj-lt"/>
+              <a:buAutoNum type="arabicPeriod"/>
+            </a:pPr>
+            <a:r>
+              <a:rPr lang="zh-CN" altLang="en-US" dirty="0" smtClean="0"/>
+              <a:t>在建树的过程中进行剪枝；</a:t>
+            </a:r>
+            <a:endParaRPr lang="en-US" altLang="zh-CN" dirty="0" smtClean="0"/>
+          </a:p>
+          <a:p>
+            <a:pPr marL="514350" indent="-514350">
+              <a:buFont typeface="+mj-lt"/>
+              <a:buAutoNum type="arabicPeriod"/>
+            </a:pPr>
+            <a:r>
+              <a:rPr lang="zh-CN" altLang="en-US" dirty="0" smtClean="0"/>
+              <a:t>针对连续属性也有很好的离散化处理效果；</a:t>
+            </a:r>
+            <a:endParaRPr lang="en-US" altLang="zh-CN" dirty="0" smtClean="0"/>
+          </a:p>
+          <a:p>
+            <a:pPr marL="514350" indent="-514350">
+              <a:buFont typeface="+mj-lt"/>
+              <a:buAutoNum type="arabicPeriod"/>
+            </a:pPr>
+            <a:r>
+              <a:rPr lang="zh-CN" altLang="en-US" dirty="0" smtClean="0"/>
+              <a:t>可以对不完整的数据进行正确处理。</a:t>
+            </a:r>
+            <a:endParaRPr lang="en-US" dirty="0"/>
+          </a:p>
+        </p:txBody>
+      </p:sp>
+    </p:spTree>
+    <p:extLst>
+      <p:ext uri="{BB962C8B-B14F-4D97-AF65-F5344CB8AC3E}">
+        <p14:creationId xmlns:p14="http://schemas.microsoft.com/office/powerpoint/2010/main" val="346794372"/>
+      </p:ext>
+    </p:extLst>
+  </p:cSld>
+  <p:clrMapOvr>
+    <a:masterClrMapping/>
+  </p:clrMapOvr>
+  <p:timing>
+    <p:tnLst>
+      <p:par>
+        <p:cTn id="1" dur="indefinite" restart="never" nodeType="tmRoot"/>
+      </p:par>
+    </p:tnLst>
+  </p:timing>
+</p:sld>
+</file>
+
+<file path=ppt/slides/slide11.xml><?xml version="1.0" encoding="utf-8"?>
+<p:sld xmlns:a="http://schemas.openxmlformats.org/drawingml/2006/main" xmlns:r="http://schemas.openxmlformats.org/officeDocument/2006/relationships" xmlns:p="http://schemas.openxmlformats.org/presentationml/2006/main">
+  <p:cSld>
+    <p:spTree>
+      <p:nvGrpSpPr>
+        <p:cNvPr id="1" name=""/>
+        <p:cNvGrpSpPr/>
+        <p:nvPr/>
+      </p:nvGrpSpPr>
+      <p:grpSpPr>
+        <a:xfrm>
+          <a:off x="0" y="0"/>
+          <a:ext cx="0" cy="0"/>
+          <a:chOff x="0" y="0"/>
+          <a:chExt cx="0" cy="0"/>
+        </a:xfrm>
+      </p:grpSpPr>
+      <p:sp>
+        <p:nvSpPr>
+          <p:cNvPr id="2" name="标题 1"/>
+          <p:cNvSpPr>
+            <a:spLocks noGrp="1"/>
+          </p:cNvSpPr>
+          <p:nvPr>
+            <p:ph type="title"/>
+          </p:nvPr>
+        </p:nvSpPr>
+        <p:spPr/>
+        <p:txBody>
+          <a:bodyPr/>
+          <a:lstStyle/>
+          <a:p>
+            <a:r>
+              <a:rPr lang="en-US" dirty="0" smtClean="0"/>
+              <a:t>C4.5</a:t>
+            </a:r>
+            <a:r>
+              <a:rPr lang="zh-CN" altLang="en-US" dirty="0" smtClean="0"/>
               <a:t>算法应用</a:t>
             </a:r>
             <a:endParaRPr lang="en-US" dirty="0"/>
@@ -3727,7 +3854,1437 @@
 </p:sld>
 </file>
 
+<file path=ppt/slides/slide12.xml><?xml version="1.0" encoding="utf-8"?>
+<p:sld xmlns:a="http://schemas.openxmlformats.org/drawingml/2006/main" xmlns:r="http://schemas.openxmlformats.org/officeDocument/2006/relationships" xmlns:p="http://schemas.openxmlformats.org/presentationml/2006/main">
+  <p:cSld>
+    <p:spTree>
+      <p:nvGrpSpPr>
+        <p:cNvPr id="1" name=""/>
+        <p:cNvGrpSpPr/>
+        <p:nvPr/>
+      </p:nvGrpSpPr>
+      <p:grpSpPr>
+        <a:xfrm>
+          <a:off x="0" y="0"/>
+          <a:ext cx="0" cy="0"/>
+          <a:chOff x="0" y="0"/>
+          <a:chExt cx="0" cy="0"/>
+        </a:xfrm>
+      </p:grpSpPr>
+      <p:sp>
+        <p:nvSpPr>
+          <p:cNvPr id="2" name="标题 1"/>
+          <p:cNvSpPr>
+            <a:spLocks noGrp="1"/>
+          </p:cNvSpPr>
+          <p:nvPr>
+            <p:ph type="title"/>
+          </p:nvPr>
+        </p:nvSpPr>
+        <p:spPr/>
+        <p:txBody>
+          <a:bodyPr/>
+          <a:lstStyle/>
+          <a:p>
+            <a:r>
+              <a:rPr lang="zh-CN" altLang="en-US" dirty="0" smtClean="0"/>
+              <a:t>支持向量机</a:t>
+            </a:r>
+            <a:endParaRPr lang="zh-CN" altLang="en-US" dirty="0"/>
+          </a:p>
+        </p:txBody>
+      </p:sp>
+      <p:sp>
+        <p:nvSpPr>
+          <p:cNvPr id="3" name="内容占位符 2"/>
+          <p:cNvSpPr>
+            <a:spLocks noGrp="1"/>
+          </p:cNvSpPr>
+          <p:nvPr>
+            <p:ph idx="1"/>
+          </p:nvPr>
+        </p:nvSpPr>
+        <p:spPr>
+          <a:xfrm>
+            <a:off x="457200" y="1600201"/>
+            <a:ext cx="8229600" cy="1396752"/>
+          </a:xfrm>
+        </p:spPr>
+        <p:txBody>
+          <a:bodyPr>
+            <a:normAutofit/>
+          </a:bodyPr>
+          <a:lstStyle/>
+          <a:p>
+            <a:pPr marL="0" indent="0">
+              <a:buNone/>
+            </a:pPr>
+            <a:r>
+              <a:rPr lang="zh-CN" altLang="en-US" sz="2000" b="1" dirty="0"/>
+              <a:t>定义：</a:t>
+            </a:r>
+            <a:r>
+              <a:rPr lang="zh-CN" altLang="en-US" sz="2000" dirty="0"/>
+              <a:t>基于统计学习理论的一种机器学习方法，通过寻求结构化风险最小来提高学习机泛化能力，实现经验风险和置信范围的最小化，从而达到在统计样本量较少的情况下，亦能获得</a:t>
+            </a:r>
+            <a:r>
+              <a:rPr lang="zh-CN" altLang="en-US" sz="2000" dirty="0" smtClean="0"/>
+              <a:t>良好</a:t>
+            </a:r>
+            <a:r>
+              <a:rPr lang="zh-CN" altLang="en-US" sz="2000" dirty="0"/>
+              <a:t>统计规律的目的</a:t>
+            </a:r>
+            <a:r>
+              <a:rPr lang="zh-CN" altLang="en-US" sz="2000" dirty="0" smtClean="0"/>
+              <a:t>。</a:t>
+            </a:r>
+            <a:endParaRPr lang="en-US" altLang="zh-CN" sz="2000" dirty="0" smtClean="0"/>
+          </a:p>
+          <a:p>
+            <a:pPr marL="0" indent="0">
+              <a:buNone/>
+            </a:pPr>
+            <a:r>
+              <a:rPr lang="zh-CN" altLang="en-US" sz="2000" b="1" dirty="0" smtClean="0"/>
+              <a:t>应用：</a:t>
+            </a:r>
+            <a:r>
+              <a:rPr lang="zh-CN" altLang="en-US" sz="2000" dirty="0" smtClean="0"/>
+              <a:t>线性分类器</a:t>
+            </a:r>
+            <a:endParaRPr lang="zh-CN" altLang="en-US" sz="2000" dirty="0"/>
+          </a:p>
+        </p:txBody>
+      </p:sp>
+      <p:pic>
+        <p:nvPicPr>
+          <p:cNvPr id="4098" name="Picture 2"/>
+          <p:cNvPicPr>
+            <a:picLocks noChangeAspect="1" noChangeArrowheads="1"/>
+          </p:cNvPicPr>
+          <p:nvPr/>
+        </p:nvPicPr>
+        <p:blipFill>
+          <a:blip r:embed="rId3">
+            <a:extLst>
+              <a:ext uri="{28A0092B-C50C-407E-A947-70E740481C1C}">
+                <a14:useLocalDpi xmlns:a14="http://schemas.microsoft.com/office/drawing/2010/main" val="0"/>
+              </a:ext>
+            </a:extLst>
+          </a:blip>
+          <a:srcRect/>
+          <a:stretch>
+            <a:fillRect/>
+          </a:stretch>
+        </p:blipFill>
+        <p:spPr bwMode="auto">
+          <a:xfrm>
+            <a:off x="827584" y="3068960"/>
+            <a:ext cx="2713172" cy="2592288"/>
+          </a:xfrm>
+          <a:prstGeom prst="rect">
+            <a:avLst/>
+          </a:prstGeom>
+          <a:noFill/>
+          <a:ln>
+            <a:noFill/>
+          </a:ln>
+          <a:extLst>
+            <a:ext uri="{909E8E84-426E-40DD-AFC4-6F175D3DCCD1}">
+              <a14:hiddenFill xmlns:a14="http://schemas.microsoft.com/office/drawing/2010/main">
+                <a:solidFill>
+                  <a:schemeClr val="accent1"/>
+                </a:solidFill>
+              </a14:hiddenFill>
+            </a:ext>
+            <a:ext uri="{91240B29-F687-4F45-9708-019B960494DF}">
+              <a14:hiddenLine xmlns:a14="http://schemas.microsoft.com/office/drawing/2010/main" w="9525">
+                <a:solidFill>
+                  <a:schemeClr val="tx1"/>
+                </a:solidFill>
+                <a:miter lim="800000"/>
+                <a:headEnd/>
+                <a:tailEnd/>
+              </a14:hiddenLine>
+            </a:ext>
+          </a:extLst>
+        </p:spPr>
+      </p:pic>
+      <p:sp>
+        <p:nvSpPr>
+          <p:cNvPr id="4" name="TextBox 3"/>
+          <p:cNvSpPr txBox="1"/>
+          <p:nvPr/>
+        </p:nvSpPr>
+        <p:spPr>
+          <a:xfrm>
+            <a:off x="3923928" y="2924944"/>
+            <a:ext cx="4536504" cy="338554"/>
+          </a:xfrm>
+          <a:prstGeom prst="rect">
+            <a:avLst/>
+          </a:prstGeom>
+          <a:noFill/>
+        </p:spPr>
+        <p:txBody>
+          <a:bodyPr wrap="square" rtlCol="0">
+            <a:spAutoFit/>
+          </a:bodyPr>
+          <a:lstStyle/>
+          <a:p>
+            <a:r>
+              <a:rPr lang="zh-CN" altLang="en-US" sz="1600" dirty="0" smtClean="0"/>
+              <a:t>目的：寻找一个超平面，将空间数据分类。即求：</a:t>
+            </a:r>
+            <a:endParaRPr lang="zh-CN" altLang="en-US" sz="1600" dirty="0"/>
+          </a:p>
+        </p:txBody>
+      </p:sp>
+      <p:graphicFrame>
+        <p:nvGraphicFramePr>
+          <p:cNvPr id="5" name="对象 4"/>
+          <p:cNvGraphicFramePr>
+            <a:graphicFrameLocks noChangeAspect="1"/>
+          </p:cNvGraphicFramePr>
+          <p:nvPr>
+            <p:extLst>
+              <p:ext uri="{D42A27DB-BD31-4B8C-83A1-F6EECF244321}">
+                <p14:modId xmlns:p14="http://schemas.microsoft.com/office/powerpoint/2010/main" val="2716796870"/>
+              </p:ext>
+            </p:extLst>
+          </p:nvPr>
+        </p:nvGraphicFramePr>
+        <p:xfrm>
+          <a:off x="5364088" y="3266505"/>
+          <a:ext cx="1724364" cy="378519"/>
+        </p:xfrm>
+        <a:graphic>
+          <a:graphicData uri="http://schemas.openxmlformats.org/presentationml/2006/ole">
+            <mc:AlternateContent xmlns:mc="http://schemas.openxmlformats.org/markup-compatibility/2006">
+              <mc:Choice xmlns:v="urn:schemas-microsoft-com:vml" Requires="v">
+                <p:oleObj spid="_x0000_s4103" name="Equation" r:id="rId4" imgW="1041120" imgH="228600" progId="Equation.DSMT4">
+                  <p:embed/>
+                </p:oleObj>
+              </mc:Choice>
+              <mc:Fallback>
+                <p:oleObj name="Equation" r:id="rId4" imgW="1041120" imgH="228600" progId="Equation.DSMT4">
+                  <p:embed/>
+                  <p:pic>
+                    <p:nvPicPr>
+                      <p:cNvPr id="0" name=""/>
+                      <p:cNvPicPr/>
+                      <p:nvPr/>
+                    </p:nvPicPr>
+                    <p:blipFill>
+                      <a:blip r:embed="rId5"/>
+                      <a:stretch>
+                        <a:fillRect/>
+                      </a:stretch>
+                    </p:blipFill>
+                    <p:spPr>
+                      <a:xfrm>
+                        <a:off x="5364088" y="3266505"/>
+                        <a:ext cx="1724364" cy="378519"/>
+                      </a:xfrm>
+                      <a:prstGeom prst="rect">
+                        <a:avLst/>
+                      </a:prstGeom>
+                    </p:spPr>
+                  </p:pic>
+                </p:oleObj>
+              </mc:Fallback>
+            </mc:AlternateContent>
+          </a:graphicData>
+        </a:graphic>
+      </p:graphicFrame>
+      <p:sp>
+        <p:nvSpPr>
+          <p:cNvPr id="7" name="TextBox 6"/>
+          <p:cNvSpPr txBox="1"/>
+          <p:nvPr/>
+        </p:nvSpPr>
+        <p:spPr>
+          <a:xfrm>
+            <a:off x="4067944" y="4110171"/>
+            <a:ext cx="4536504" cy="830997"/>
+          </a:xfrm>
+          <a:prstGeom prst="rect">
+            <a:avLst/>
+          </a:prstGeom>
+          <a:noFill/>
+        </p:spPr>
+        <p:txBody>
+          <a:bodyPr wrap="square" rtlCol="0">
+            <a:spAutoFit/>
+          </a:bodyPr>
+          <a:lstStyle/>
+          <a:p>
+            <a:r>
+              <a:rPr lang="zh-CN" altLang="en-US" sz="1600" dirty="0" smtClean="0"/>
+              <a:t>有很多线性分类器</a:t>
+            </a:r>
+            <a:r>
+              <a:rPr lang="zh-CN" altLang="en-US" sz="1600" dirty="0"/>
+              <a:t>（</a:t>
+            </a:r>
+            <a:r>
+              <a:rPr lang="zh-CN" altLang="en-US" sz="1600" dirty="0" smtClean="0"/>
+              <a:t>超平面）可以把数据分开，但可达到最大分割有且只有一个。</a:t>
+            </a:r>
+            <a:endParaRPr lang="en-US" altLang="zh-CN" sz="1600" dirty="0" smtClean="0"/>
+          </a:p>
+          <a:p>
+            <a:r>
+              <a:rPr lang="zh-CN" altLang="en-US" sz="1600" dirty="0" smtClean="0"/>
+              <a:t>即求解</a:t>
+            </a:r>
+            <a:r>
+              <a:rPr lang="en-US" altLang="zh-CN" sz="1600" dirty="0" smtClean="0"/>
+              <a:t>w</a:t>
+            </a:r>
+            <a:r>
+              <a:rPr lang="zh-CN" altLang="en-US" sz="1600" dirty="0" smtClean="0"/>
+              <a:t>、</a:t>
+            </a:r>
+            <a:r>
+              <a:rPr lang="en-US" altLang="zh-CN" sz="1600" dirty="0" smtClean="0"/>
+              <a:t>b</a:t>
+            </a:r>
+            <a:r>
+              <a:rPr lang="zh-CN" altLang="en-US" sz="1600" dirty="0" smtClean="0"/>
+              <a:t>的最优解。</a:t>
+            </a:r>
+            <a:endParaRPr lang="zh-CN" altLang="en-US" sz="1600" dirty="0"/>
+          </a:p>
+        </p:txBody>
+      </p:sp>
+      <p:sp>
+        <p:nvSpPr>
+          <p:cNvPr id="8" name="TextBox 7"/>
+          <p:cNvSpPr txBox="1"/>
+          <p:nvPr/>
+        </p:nvSpPr>
+        <p:spPr>
+          <a:xfrm>
+            <a:off x="5148064" y="3697287"/>
+            <a:ext cx="2592288" cy="307777"/>
+          </a:xfrm>
+          <a:prstGeom prst="rect">
+            <a:avLst/>
+          </a:prstGeom>
+          <a:noFill/>
+        </p:spPr>
+        <p:txBody>
+          <a:bodyPr wrap="square" rtlCol="0">
+            <a:spAutoFit/>
+          </a:bodyPr>
+          <a:lstStyle/>
+          <a:p>
+            <a:r>
+              <a:rPr lang="en-US" altLang="zh-CN" sz="1400" dirty="0" smtClean="0"/>
+              <a:t>W</a:t>
+            </a:r>
+            <a:r>
+              <a:rPr lang="zh-CN" altLang="en-US" sz="1400" dirty="0" smtClean="0"/>
+              <a:t>：权重向量        </a:t>
+            </a:r>
+            <a:r>
+              <a:rPr lang="en-US" altLang="zh-CN" sz="1400" dirty="0" smtClean="0"/>
+              <a:t>b</a:t>
+            </a:r>
+            <a:r>
+              <a:rPr lang="zh-CN" altLang="en-US" sz="1400" dirty="0" smtClean="0"/>
+              <a:t>：偏移</a:t>
+            </a:r>
+            <a:endParaRPr lang="zh-CN" altLang="en-US" sz="1400" dirty="0"/>
+          </a:p>
+        </p:txBody>
+      </p:sp>
+    </p:spTree>
+    <p:extLst>
+      <p:ext uri="{BB962C8B-B14F-4D97-AF65-F5344CB8AC3E}">
+        <p14:creationId xmlns:p14="http://schemas.microsoft.com/office/powerpoint/2010/main" val="2289214219"/>
+      </p:ext>
+    </p:extLst>
+  </p:cSld>
+  <p:clrMapOvr>
+    <a:masterClrMapping/>
+  </p:clrMapOvr>
+</p:sld>
+</file>
+
+<file path=ppt/slides/slide13.xml><?xml version="1.0" encoding="utf-8"?>
+<p:sld xmlns:a="http://schemas.openxmlformats.org/drawingml/2006/main" xmlns:r="http://schemas.openxmlformats.org/officeDocument/2006/relationships" xmlns:p="http://schemas.openxmlformats.org/presentationml/2006/main">
+  <p:cSld>
+    <p:spTree>
+      <p:nvGrpSpPr>
+        <p:cNvPr id="1" name=""/>
+        <p:cNvGrpSpPr/>
+        <p:nvPr/>
+      </p:nvGrpSpPr>
+      <p:grpSpPr>
+        <a:xfrm>
+          <a:off x="0" y="0"/>
+          <a:ext cx="0" cy="0"/>
+          <a:chOff x="0" y="0"/>
+          <a:chExt cx="0" cy="0"/>
+        </a:xfrm>
+      </p:grpSpPr>
+      <p:sp>
+        <p:nvSpPr>
+          <p:cNvPr id="2" name="标题 1"/>
+          <p:cNvSpPr>
+            <a:spLocks noGrp="1"/>
+          </p:cNvSpPr>
+          <p:nvPr>
+            <p:ph type="title"/>
+          </p:nvPr>
+        </p:nvSpPr>
+        <p:spPr/>
+        <p:txBody>
+          <a:bodyPr/>
+          <a:lstStyle/>
+          <a:p>
+            <a:r>
+              <a:rPr lang="zh-CN" altLang="en-US" dirty="0" smtClean="0"/>
+              <a:t>支持向量机</a:t>
+            </a:r>
+            <a:endParaRPr lang="zh-CN" altLang="en-US" dirty="0"/>
+          </a:p>
+        </p:txBody>
+      </p:sp>
+      <p:pic>
+        <p:nvPicPr>
+          <p:cNvPr id="5122" name="Picture 2"/>
+          <p:cNvPicPr>
+            <a:picLocks noChangeAspect="1" noChangeArrowheads="1"/>
+          </p:cNvPicPr>
+          <p:nvPr/>
+        </p:nvPicPr>
+        <p:blipFill>
+          <a:blip r:embed="rId3">
+            <a:extLst>
+              <a:ext uri="{28A0092B-C50C-407E-A947-70E740481C1C}">
+                <a14:useLocalDpi xmlns:a14="http://schemas.microsoft.com/office/drawing/2010/main" val="0"/>
+              </a:ext>
+            </a:extLst>
+          </a:blip>
+          <a:srcRect/>
+          <a:stretch>
+            <a:fillRect/>
+          </a:stretch>
+        </p:blipFill>
+        <p:spPr bwMode="auto">
+          <a:xfrm>
+            <a:off x="539553" y="2204864"/>
+            <a:ext cx="3528392" cy="2174060"/>
+          </a:xfrm>
+          <a:prstGeom prst="rect">
+            <a:avLst/>
+          </a:prstGeom>
+          <a:noFill/>
+          <a:ln>
+            <a:noFill/>
+          </a:ln>
+          <a:extLst>
+            <a:ext uri="{909E8E84-426E-40DD-AFC4-6F175D3DCCD1}">
+              <a14:hiddenFill xmlns:a14="http://schemas.microsoft.com/office/drawing/2010/main">
+                <a:solidFill>
+                  <a:schemeClr val="accent1"/>
+                </a:solidFill>
+              </a14:hiddenFill>
+            </a:ext>
+            <a:ext uri="{91240B29-F687-4F45-9708-019B960494DF}">
+              <a14:hiddenLine xmlns:a14="http://schemas.microsoft.com/office/drawing/2010/main" w="9525">
+                <a:solidFill>
+                  <a:schemeClr val="tx1"/>
+                </a:solidFill>
+                <a:miter lim="800000"/>
+                <a:headEnd/>
+                <a:tailEnd/>
+              </a14:hiddenLine>
+            </a:ext>
+          </a:extLst>
+        </p:spPr>
+      </p:pic>
+      <p:sp>
+        <p:nvSpPr>
+          <p:cNvPr id="4" name="TextBox 3"/>
+          <p:cNvSpPr txBox="1"/>
+          <p:nvPr/>
+        </p:nvSpPr>
+        <p:spPr>
+          <a:xfrm>
+            <a:off x="4644008" y="2060848"/>
+            <a:ext cx="3816424" cy="2031325"/>
+          </a:xfrm>
+          <a:prstGeom prst="rect">
+            <a:avLst/>
+          </a:prstGeom>
+          <a:noFill/>
+        </p:spPr>
+        <p:txBody>
+          <a:bodyPr wrap="square" rtlCol="0">
+            <a:spAutoFit/>
+          </a:bodyPr>
+          <a:lstStyle/>
+          <a:p>
+            <a:pPr marL="285750" indent="-285750">
+              <a:buFont typeface="Wingdings" panose="05000000000000000000" pitchFamily="2" charset="2"/>
+              <a:buChar char="Ø"/>
+            </a:pPr>
+            <a:r>
+              <a:rPr lang="zh-CN" altLang="en-US" dirty="0"/>
+              <a:t>寻找两条边界端或极端划分直线中间的最大</a:t>
+            </a:r>
+            <a:r>
+              <a:rPr lang="zh-CN" altLang="en-US" dirty="0" smtClean="0"/>
+              <a:t>间隔</a:t>
+            </a:r>
+            <a:endParaRPr lang="en-US" altLang="zh-CN" dirty="0" smtClean="0"/>
+          </a:p>
+          <a:p>
+            <a:pPr marL="285750" indent="-285750">
+              <a:buFont typeface="Wingdings" panose="05000000000000000000" pitchFamily="2" charset="2"/>
+              <a:buChar char="Ø"/>
+            </a:pPr>
+            <a:r>
+              <a:rPr lang="zh-CN" altLang="en-US" dirty="0"/>
+              <a:t>进而把寻求分类函数</a:t>
+            </a:r>
+            <a:r>
+              <a:rPr lang="en-US" altLang="zh-CN" dirty="0"/>
+              <a:t>f(x) = </a:t>
+            </a:r>
+            <a:r>
+              <a:rPr lang="en-US" altLang="zh-CN" dirty="0" err="1"/>
+              <a:t>w.x</a:t>
+            </a:r>
+            <a:r>
+              <a:rPr lang="en-US" altLang="zh-CN" dirty="0"/>
+              <a:t> + b</a:t>
+            </a:r>
+            <a:r>
+              <a:rPr lang="zh-CN" altLang="en-US" dirty="0"/>
+              <a:t>的问题转化为对</a:t>
+            </a:r>
+            <a:r>
+              <a:rPr lang="en-US" altLang="zh-CN" dirty="0"/>
+              <a:t>w</a:t>
+            </a:r>
+            <a:r>
+              <a:rPr lang="zh-CN" altLang="en-US" dirty="0"/>
+              <a:t>，</a:t>
+            </a:r>
+            <a:r>
+              <a:rPr lang="en-US" altLang="zh-CN" dirty="0"/>
+              <a:t>b</a:t>
+            </a:r>
+            <a:r>
+              <a:rPr lang="zh-CN" altLang="en-US" dirty="0"/>
+              <a:t>的最优化问题</a:t>
+            </a:r>
+            <a:r>
+              <a:rPr lang="zh-CN" altLang="en-US" dirty="0" smtClean="0"/>
+              <a:t>，即凸二次优化问题。</a:t>
+            </a:r>
+            <a:endParaRPr lang="en-US" altLang="zh-CN" dirty="0" smtClean="0"/>
+          </a:p>
+          <a:p>
+            <a:pPr marL="285750" indent="-285750">
+              <a:buFont typeface="Wingdings" panose="05000000000000000000" pitchFamily="2" charset="2"/>
+              <a:buChar char="Ø"/>
+            </a:pPr>
+            <a:r>
+              <a:rPr lang="zh-CN" altLang="en-US" dirty="0" smtClean="0"/>
+              <a:t>导出</a:t>
+            </a:r>
+            <a:endParaRPr lang="en-US" altLang="zh-CN" dirty="0" smtClean="0"/>
+          </a:p>
+          <a:p>
+            <a:pPr marL="285750" indent="-285750">
+              <a:buFont typeface="Wingdings" panose="05000000000000000000" pitchFamily="2" charset="2"/>
+              <a:buChar char="Ø"/>
+            </a:pPr>
+            <a:endParaRPr lang="zh-CN" altLang="en-US" dirty="0"/>
+          </a:p>
+        </p:txBody>
+      </p:sp>
+      <p:pic>
+        <p:nvPicPr>
+          <p:cNvPr id="5123" name="Picture 3"/>
+          <p:cNvPicPr>
+            <a:picLocks noChangeAspect="1" noChangeArrowheads="1"/>
+          </p:cNvPicPr>
+          <p:nvPr/>
+        </p:nvPicPr>
+        <p:blipFill>
+          <a:blip r:embed="rId4">
+            <a:extLst>
+              <a:ext uri="{28A0092B-C50C-407E-A947-70E740481C1C}">
+                <a14:useLocalDpi xmlns:a14="http://schemas.microsoft.com/office/drawing/2010/main" val="0"/>
+              </a:ext>
+            </a:extLst>
+          </a:blip>
+          <a:srcRect/>
+          <a:stretch>
+            <a:fillRect/>
+          </a:stretch>
+        </p:blipFill>
+        <p:spPr bwMode="auto">
+          <a:xfrm>
+            <a:off x="4875981" y="3717032"/>
+            <a:ext cx="3800475" cy="466725"/>
+          </a:xfrm>
+          <a:prstGeom prst="rect">
+            <a:avLst/>
+          </a:prstGeom>
+          <a:noFill/>
+          <a:ln>
+            <a:noFill/>
+          </a:ln>
+          <a:extLst>
+            <a:ext uri="{909E8E84-426E-40DD-AFC4-6F175D3DCCD1}">
+              <a14:hiddenFill xmlns:a14="http://schemas.microsoft.com/office/drawing/2010/main">
+                <a:solidFill>
+                  <a:schemeClr val="accent1"/>
+                </a:solidFill>
+              </a14:hiddenFill>
+            </a:ext>
+            <a:ext uri="{91240B29-F687-4F45-9708-019B960494DF}">
+              <a14:hiddenLine xmlns:a14="http://schemas.microsoft.com/office/drawing/2010/main" w="9525">
+                <a:solidFill>
+                  <a:schemeClr val="tx1"/>
+                </a:solidFill>
+                <a:miter lim="800000"/>
+                <a:headEnd/>
+                <a:tailEnd/>
+              </a14:hiddenLine>
+            </a:ext>
+          </a:extLst>
+        </p:spPr>
+      </p:pic>
+      <p:sp>
+        <p:nvSpPr>
+          <p:cNvPr id="6" name="TextBox 5"/>
+          <p:cNvSpPr txBox="1"/>
+          <p:nvPr/>
+        </p:nvSpPr>
+        <p:spPr>
+          <a:xfrm>
+            <a:off x="4644008" y="4183757"/>
+            <a:ext cx="3888432" cy="369332"/>
+          </a:xfrm>
+          <a:prstGeom prst="rect">
+            <a:avLst/>
+          </a:prstGeom>
+          <a:noFill/>
+        </p:spPr>
+        <p:txBody>
+          <a:bodyPr wrap="square" rtlCol="0">
+            <a:spAutoFit/>
+          </a:bodyPr>
+          <a:lstStyle/>
+          <a:p>
+            <a:pPr marL="285750" indent="-285750">
+              <a:buFont typeface="Wingdings" panose="05000000000000000000" pitchFamily="2" charset="2"/>
+              <a:buChar char="Ø"/>
+            </a:pPr>
+            <a:r>
+              <a:rPr lang="zh-CN" altLang="en-US" dirty="0" smtClean="0"/>
+              <a:t>引入拉格朗日对偶变量</a:t>
+            </a:r>
+            <a:endParaRPr lang="zh-CN" altLang="en-US" dirty="0"/>
+          </a:p>
+        </p:txBody>
+      </p:sp>
+      <p:graphicFrame>
+        <p:nvGraphicFramePr>
+          <p:cNvPr id="7" name="对象 6"/>
+          <p:cNvGraphicFramePr>
+            <a:graphicFrameLocks noChangeAspect="1"/>
+          </p:cNvGraphicFramePr>
+          <p:nvPr>
+            <p:extLst>
+              <p:ext uri="{D42A27DB-BD31-4B8C-83A1-F6EECF244321}">
+                <p14:modId xmlns:p14="http://schemas.microsoft.com/office/powerpoint/2010/main" val="3067109970"/>
+              </p:ext>
+            </p:extLst>
+          </p:nvPr>
+        </p:nvGraphicFramePr>
+        <p:xfrm>
+          <a:off x="7308304" y="4239223"/>
+          <a:ext cx="288032" cy="264029"/>
+        </p:xfrm>
+        <a:graphic>
+          <a:graphicData uri="http://schemas.openxmlformats.org/presentationml/2006/ole">
+            <mc:AlternateContent xmlns:mc="http://schemas.openxmlformats.org/markup-compatibility/2006">
+              <mc:Choice xmlns:v="urn:schemas-microsoft-com:vml" Requires="v">
+                <p:oleObj spid="_x0000_s5127" name="Equation" r:id="rId5" imgW="152280" imgH="139680" progId="Equation.DSMT4">
+                  <p:embed/>
+                </p:oleObj>
+              </mc:Choice>
+              <mc:Fallback>
+                <p:oleObj name="Equation" r:id="rId5" imgW="152280" imgH="139680" progId="Equation.DSMT4">
+                  <p:embed/>
+                  <p:pic>
+                    <p:nvPicPr>
+                      <p:cNvPr id="0" name=""/>
+                      <p:cNvPicPr/>
+                      <p:nvPr/>
+                    </p:nvPicPr>
+                    <p:blipFill>
+                      <a:blip r:embed="rId6"/>
+                      <a:stretch>
+                        <a:fillRect/>
+                      </a:stretch>
+                    </p:blipFill>
+                    <p:spPr>
+                      <a:xfrm>
+                        <a:off x="7308304" y="4239223"/>
+                        <a:ext cx="288032" cy="264029"/>
+                      </a:xfrm>
+                      <a:prstGeom prst="rect">
+                        <a:avLst/>
+                      </a:prstGeom>
+                    </p:spPr>
+                  </p:pic>
+                </p:oleObj>
+              </mc:Fallback>
+            </mc:AlternateContent>
+          </a:graphicData>
+        </a:graphic>
+      </p:graphicFrame>
+      <p:pic>
+        <p:nvPicPr>
+          <p:cNvPr id="5124" name="Picture 4"/>
+          <p:cNvPicPr>
+            <a:picLocks noChangeAspect="1" noChangeArrowheads="1"/>
+          </p:cNvPicPr>
+          <p:nvPr/>
+        </p:nvPicPr>
+        <p:blipFill>
+          <a:blip r:embed="rId7">
+            <a:extLst>
+              <a:ext uri="{28A0092B-C50C-407E-A947-70E740481C1C}">
+                <a14:useLocalDpi xmlns:a14="http://schemas.microsoft.com/office/drawing/2010/main" val="0"/>
+              </a:ext>
+            </a:extLst>
+          </a:blip>
+          <a:srcRect/>
+          <a:stretch>
+            <a:fillRect/>
+          </a:stretch>
+        </p:blipFill>
+        <p:spPr bwMode="auto">
+          <a:xfrm>
+            <a:off x="4816152" y="4553089"/>
+            <a:ext cx="3838575" cy="504825"/>
+          </a:xfrm>
+          <a:prstGeom prst="rect">
+            <a:avLst/>
+          </a:prstGeom>
+          <a:noFill/>
+          <a:ln>
+            <a:noFill/>
+          </a:ln>
+          <a:extLst>
+            <a:ext uri="{909E8E84-426E-40DD-AFC4-6F175D3DCCD1}">
+              <a14:hiddenFill xmlns:a14="http://schemas.microsoft.com/office/drawing/2010/main">
+                <a:solidFill>
+                  <a:schemeClr val="accent1"/>
+                </a:solidFill>
+              </a14:hiddenFill>
+            </a:ext>
+            <a:ext uri="{91240B29-F687-4F45-9708-019B960494DF}">
+              <a14:hiddenLine xmlns:a14="http://schemas.microsoft.com/office/drawing/2010/main" w="9525">
+                <a:solidFill>
+                  <a:schemeClr val="tx1"/>
+                </a:solidFill>
+                <a:miter lim="800000"/>
+                <a:headEnd/>
+                <a:tailEnd/>
+              </a14:hiddenLine>
+            </a:ext>
+          </a:extLst>
+        </p:spPr>
+      </p:pic>
+      <p:sp>
+        <p:nvSpPr>
+          <p:cNvPr id="11" name="TextBox 10"/>
+          <p:cNvSpPr txBox="1"/>
+          <p:nvPr/>
+        </p:nvSpPr>
+        <p:spPr>
+          <a:xfrm>
+            <a:off x="4644008" y="5075892"/>
+            <a:ext cx="3888432" cy="369332"/>
+          </a:xfrm>
+          <a:prstGeom prst="rect">
+            <a:avLst/>
+          </a:prstGeom>
+          <a:noFill/>
+        </p:spPr>
+        <p:txBody>
+          <a:bodyPr wrap="square" rtlCol="0">
+            <a:spAutoFit/>
+          </a:bodyPr>
+          <a:lstStyle/>
+          <a:p>
+            <a:pPr marL="285750" indent="-285750">
+              <a:buFont typeface="Wingdings" panose="05000000000000000000" pitchFamily="2" charset="2"/>
+              <a:buChar char="Ø"/>
+            </a:pPr>
+            <a:r>
+              <a:rPr lang="zh-CN" altLang="en-US" dirty="0" smtClean="0"/>
+              <a:t>使用</a:t>
+            </a:r>
+            <a:r>
+              <a:rPr lang="en-US" altLang="zh-CN" dirty="0" smtClean="0"/>
+              <a:t>SMO</a:t>
+            </a:r>
+            <a:r>
+              <a:rPr lang="zh-CN" altLang="en-US" dirty="0" smtClean="0"/>
+              <a:t>算法求解</a:t>
+            </a:r>
+            <a:endParaRPr lang="zh-CN" altLang="en-US" dirty="0"/>
+          </a:p>
+        </p:txBody>
+      </p:sp>
+      <p:sp>
+        <p:nvSpPr>
+          <p:cNvPr id="8" name="TextBox 7"/>
+          <p:cNvSpPr txBox="1"/>
+          <p:nvPr/>
+        </p:nvSpPr>
+        <p:spPr>
+          <a:xfrm>
+            <a:off x="539552" y="4676943"/>
+            <a:ext cx="3816424" cy="1200329"/>
+          </a:xfrm>
+          <a:prstGeom prst="rect">
+            <a:avLst/>
+          </a:prstGeom>
+          <a:noFill/>
+        </p:spPr>
+        <p:txBody>
+          <a:bodyPr wrap="square" rtlCol="0">
+            <a:spAutoFit/>
+          </a:bodyPr>
+          <a:lstStyle/>
+          <a:p>
+            <a:r>
+              <a:rPr lang="zh-CN" altLang="en-US" dirty="0" smtClean="0"/>
+              <a:t>支持向量机仅仅将</a:t>
+            </a:r>
+            <a:r>
+              <a:rPr lang="en-US" altLang="zh-CN" dirty="0" err="1" smtClean="0"/>
+              <a:t>QoE</a:t>
+            </a:r>
+            <a:r>
+              <a:rPr lang="zh-CN" altLang="en-US" dirty="0" smtClean="0"/>
+              <a:t>分成可接受和不可接受两类，如果要划分为大于两个的</a:t>
+            </a:r>
+            <a:r>
+              <a:rPr lang="en-US" altLang="zh-CN" dirty="0" smtClean="0"/>
+              <a:t>n</a:t>
+            </a:r>
+            <a:r>
+              <a:rPr lang="zh-CN" altLang="en-US" dirty="0" smtClean="0"/>
+              <a:t>个级别，就需要构造</a:t>
+            </a:r>
+            <a:r>
+              <a:rPr lang="en-US" altLang="zh-CN" dirty="0" smtClean="0"/>
+              <a:t>n</a:t>
+            </a:r>
+            <a:r>
+              <a:rPr lang="zh-CN" altLang="en-US" dirty="0" smtClean="0"/>
+              <a:t>维超平面，构造方法十分复杂</a:t>
+            </a:r>
+            <a:endParaRPr lang="zh-CN" altLang="en-US" dirty="0"/>
+          </a:p>
+        </p:txBody>
+      </p:sp>
+    </p:spTree>
+    <p:extLst>
+      <p:ext uri="{BB962C8B-B14F-4D97-AF65-F5344CB8AC3E}">
+        <p14:creationId xmlns:p14="http://schemas.microsoft.com/office/powerpoint/2010/main" val="3940331470"/>
+      </p:ext>
+    </p:extLst>
+  </p:cSld>
+  <p:clrMapOvr>
+    <a:masterClrMapping/>
+  </p:clrMapOvr>
+</p:sld>
+</file>
+
 <file path=ppt/slides/slide2.xml><?xml version="1.0" encoding="utf-8"?>
+<p:sld xmlns:a="http://schemas.openxmlformats.org/drawingml/2006/main" xmlns:r="http://schemas.openxmlformats.org/officeDocument/2006/relationships" xmlns:p="http://schemas.openxmlformats.org/presentationml/2006/main">
+  <p:cSld>
+    <p:spTree>
+      <p:nvGrpSpPr>
+        <p:cNvPr id="1" name=""/>
+        <p:cNvGrpSpPr/>
+        <p:nvPr/>
+      </p:nvGrpSpPr>
+      <p:grpSpPr>
+        <a:xfrm>
+          <a:off x="0" y="0"/>
+          <a:ext cx="0" cy="0"/>
+          <a:chOff x="0" y="0"/>
+          <a:chExt cx="0" cy="0"/>
+        </a:xfrm>
+      </p:grpSpPr>
+      <p:sp>
+        <p:nvSpPr>
+          <p:cNvPr id="2" name="标题 1"/>
+          <p:cNvSpPr>
+            <a:spLocks noGrp="1"/>
+          </p:cNvSpPr>
+          <p:nvPr>
+            <p:ph type="title"/>
+          </p:nvPr>
+        </p:nvSpPr>
+        <p:spPr/>
+        <p:txBody>
+          <a:bodyPr/>
+          <a:lstStyle/>
+          <a:p>
+            <a:r>
+              <a:rPr lang="zh-CN" altLang="en-US" dirty="0" smtClean="0"/>
+              <a:t>基于心理学的评价方法</a:t>
+            </a:r>
+            <a:endParaRPr lang="zh-CN" altLang="en-US" dirty="0"/>
+          </a:p>
+        </p:txBody>
+      </p:sp>
+      <p:sp>
+        <p:nvSpPr>
+          <p:cNvPr id="3" name="内容占位符 2"/>
+          <p:cNvSpPr>
+            <a:spLocks noGrp="1"/>
+          </p:cNvSpPr>
+          <p:nvPr>
+            <p:ph idx="1"/>
+          </p:nvPr>
+        </p:nvSpPr>
+        <p:spPr>
+          <a:xfrm>
+            <a:off x="457200" y="1600201"/>
+            <a:ext cx="8229600" cy="1828800"/>
+          </a:xfrm>
+        </p:spPr>
+        <p:txBody>
+          <a:bodyPr>
+            <a:normAutofit/>
+          </a:bodyPr>
+          <a:lstStyle/>
+          <a:p>
+            <a:pPr marL="0" indent="0">
+              <a:buNone/>
+            </a:pPr>
+            <a:r>
+              <a:rPr lang="zh-CN" altLang="en-US" sz="2000" b="1" dirty="0" smtClean="0"/>
+              <a:t>韦伯</a:t>
+            </a:r>
+            <a:r>
+              <a:rPr lang="en-US" altLang="zh-CN" sz="2000" b="1" dirty="0" smtClean="0"/>
+              <a:t>-</a:t>
+            </a:r>
+            <a:r>
+              <a:rPr lang="zh-CN" altLang="en-US" sz="2000" b="1" dirty="0" smtClean="0"/>
+              <a:t>费希纳定律：</a:t>
+            </a:r>
+            <a:r>
+              <a:rPr lang="zh-CN" altLang="en-US" sz="2000" dirty="0" smtClean="0"/>
+              <a:t>描述了物理刺激与它被人感受到的强度之间的关系。</a:t>
+            </a:r>
+            <a:endParaRPr lang="en-US" altLang="zh-CN" sz="2000" dirty="0" smtClean="0"/>
+          </a:p>
+          <a:p>
+            <a:pPr marL="0" indent="0">
+              <a:buNone/>
+            </a:pPr>
+            <a:r>
+              <a:rPr lang="zh-CN" altLang="en-US" sz="2000" b="1" dirty="0" smtClean="0"/>
+              <a:t>最小可觉差：</a:t>
+            </a:r>
+            <a:r>
+              <a:rPr lang="zh-CN" altLang="en-US" sz="2000" dirty="0" smtClean="0"/>
+              <a:t>当物理刺激超过它实际刺激程度的一定比例时，人类感觉系统能够区分出变化。这个比例是</a:t>
+            </a:r>
+            <a:r>
+              <a:rPr lang="en-US" altLang="zh-CN" sz="2000" dirty="0" smtClean="0"/>
+              <a:t>3%</a:t>
+            </a:r>
+            <a:r>
+              <a:rPr lang="zh-CN" altLang="en-US" sz="2000" dirty="0" smtClean="0"/>
+              <a:t>。</a:t>
+            </a:r>
+            <a:endParaRPr lang="zh-CN" altLang="en-US" sz="2000" dirty="0"/>
+          </a:p>
+        </p:txBody>
+      </p:sp>
+      <p:graphicFrame>
+        <p:nvGraphicFramePr>
+          <p:cNvPr id="4" name="对象 3"/>
+          <p:cNvGraphicFramePr>
+            <a:graphicFrameLocks noChangeAspect="1"/>
+          </p:cNvGraphicFramePr>
+          <p:nvPr>
+            <p:extLst>
+              <p:ext uri="{D42A27DB-BD31-4B8C-83A1-F6EECF244321}">
+                <p14:modId xmlns:p14="http://schemas.microsoft.com/office/powerpoint/2010/main" val="636545764"/>
+              </p:ext>
+            </p:extLst>
+          </p:nvPr>
+        </p:nvGraphicFramePr>
+        <p:xfrm>
+          <a:off x="3597275" y="2636838"/>
+          <a:ext cx="1012825" cy="784225"/>
+        </p:xfrm>
+        <a:graphic>
+          <a:graphicData uri="http://schemas.openxmlformats.org/presentationml/2006/ole">
+            <mc:AlternateContent xmlns:mc="http://schemas.openxmlformats.org/markup-compatibility/2006">
+              <mc:Choice xmlns:v="urn:schemas-microsoft-com:vml" Requires="v">
+                <p:oleObj spid="_x0000_s3106" name="Equation" r:id="rId3" imgW="507960" imgH="393480" progId="Equation.DSMT4">
+                  <p:embed/>
+                </p:oleObj>
+              </mc:Choice>
+              <mc:Fallback>
+                <p:oleObj name="Equation" r:id="rId3" imgW="507960" imgH="393480" progId="Equation.DSMT4">
+                  <p:embed/>
+                  <p:pic>
+                    <p:nvPicPr>
+                      <p:cNvPr id="0" name=""/>
+                      <p:cNvPicPr/>
+                      <p:nvPr/>
+                    </p:nvPicPr>
+                    <p:blipFill>
+                      <a:blip r:embed="rId4"/>
+                      <a:stretch>
+                        <a:fillRect/>
+                      </a:stretch>
+                    </p:blipFill>
+                    <p:spPr>
+                      <a:xfrm>
+                        <a:off x="3597275" y="2636838"/>
+                        <a:ext cx="1012825" cy="784225"/>
+                      </a:xfrm>
+                      <a:prstGeom prst="rect">
+                        <a:avLst/>
+                      </a:prstGeom>
+                    </p:spPr>
+                  </p:pic>
+                </p:oleObj>
+              </mc:Fallback>
+            </mc:AlternateContent>
+          </a:graphicData>
+        </a:graphic>
+      </p:graphicFrame>
+      <p:sp>
+        <p:nvSpPr>
+          <p:cNvPr id="5" name="TextBox 4"/>
+          <p:cNvSpPr txBox="1"/>
+          <p:nvPr/>
+        </p:nvSpPr>
+        <p:spPr>
+          <a:xfrm>
+            <a:off x="1763688" y="3429000"/>
+            <a:ext cx="5256584" cy="307777"/>
+          </a:xfrm>
+          <a:prstGeom prst="rect">
+            <a:avLst/>
+          </a:prstGeom>
+          <a:noFill/>
+        </p:spPr>
+        <p:txBody>
+          <a:bodyPr wrap="square" rtlCol="0">
+            <a:spAutoFit/>
+          </a:bodyPr>
+          <a:lstStyle/>
+          <a:p>
+            <a:r>
+              <a:rPr lang="en-US" altLang="zh-CN" sz="1400" dirty="0" err="1" smtClean="0"/>
+              <a:t>dS</a:t>
+            </a:r>
+            <a:r>
+              <a:rPr lang="zh-CN" altLang="en-US" sz="1400" dirty="0" smtClean="0"/>
+              <a:t>：物理刺激程度变化量    </a:t>
+            </a:r>
+            <a:r>
+              <a:rPr lang="en-US" altLang="zh-CN" sz="1400" dirty="0" smtClean="0"/>
+              <a:t>S</a:t>
+            </a:r>
+            <a:r>
+              <a:rPr lang="zh-CN" altLang="en-US" sz="1400" dirty="0" smtClean="0"/>
+              <a:t>：物理刺激程度     </a:t>
+            </a:r>
+            <a:r>
+              <a:rPr lang="en-US" altLang="zh-CN" sz="1400" dirty="0"/>
+              <a:t>K</a:t>
+            </a:r>
+            <a:r>
+              <a:rPr lang="zh-CN" altLang="en-US" sz="1400" dirty="0" smtClean="0"/>
+              <a:t>：系统比例常数</a:t>
+            </a:r>
+            <a:endParaRPr lang="zh-CN" altLang="en-US" sz="1400" dirty="0"/>
+          </a:p>
+        </p:txBody>
+      </p:sp>
+      <p:sp>
+        <p:nvSpPr>
+          <p:cNvPr id="6" name="TextBox 5"/>
+          <p:cNvSpPr txBox="1"/>
+          <p:nvPr/>
+        </p:nvSpPr>
+        <p:spPr>
+          <a:xfrm>
+            <a:off x="899592" y="3779748"/>
+            <a:ext cx="6480720" cy="369332"/>
+          </a:xfrm>
+          <a:prstGeom prst="rect">
+            <a:avLst/>
+          </a:prstGeom>
+          <a:noFill/>
+        </p:spPr>
+        <p:txBody>
+          <a:bodyPr wrap="square" rtlCol="0">
+            <a:spAutoFit/>
+          </a:bodyPr>
+          <a:lstStyle/>
+          <a:p>
+            <a:r>
+              <a:rPr lang="zh-CN" altLang="en-US" dirty="0" smtClean="0"/>
+              <a:t>利用最小可觉差进行量化：</a:t>
+            </a:r>
+            <a:endParaRPr lang="zh-CN" altLang="en-US" dirty="0"/>
+          </a:p>
+        </p:txBody>
+      </p:sp>
+      <p:graphicFrame>
+        <p:nvGraphicFramePr>
+          <p:cNvPr id="7" name="对象 6"/>
+          <p:cNvGraphicFramePr>
+            <a:graphicFrameLocks noChangeAspect="1"/>
+          </p:cNvGraphicFramePr>
+          <p:nvPr>
+            <p:extLst>
+              <p:ext uri="{D42A27DB-BD31-4B8C-83A1-F6EECF244321}">
+                <p14:modId xmlns:p14="http://schemas.microsoft.com/office/powerpoint/2010/main" val="1047299050"/>
+              </p:ext>
+            </p:extLst>
+          </p:nvPr>
+        </p:nvGraphicFramePr>
+        <p:xfrm>
+          <a:off x="3461742" y="4053670"/>
+          <a:ext cx="1218270" cy="599466"/>
+        </p:xfrm>
+        <a:graphic>
+          <a:graphicData uri="http://schemas.openxmlformats.org/presentationml/2006/ole">
+            <mc:AlternateContent xmlns:mc="http://schemas.openxmlformats.org/markup-compatibility/2006">
+              <mc:Choice xmlns:v="urn:schemas-microsoft-com:vml" Requires="v">
+                <p:oleObj spid="_x0000_s3107" name="Equation" r:id="rId5" imgW="799920" imgH="393480" progId="Equation.DSMT4">
+                  <p:embed/>
+                </p:oleObj>
+              </mc:Choice>
+              <mc:Fallback>
+                <p:oleObj name="Equation" r:id="rId5" imgW="799920" imgH="393480" progId="Equation.DSMT4">
+                  <p:embed/>
+                  <p:pic>
+                    <p:nvPicPr>
+                      <p:cNvPr id="0" name=""/>
+                      <p:cNvPicPr/>
+                      <p:nvPr/>
+                    </p:nvPicPr>
+                    <p:blipFill>
+                      <a:blip r:embed="rId6"/>
+                      <a:stretch>
+                        <a:fillRect/>
+                      </a:stretch>
+                    </p:blipFill>
+                    <p:spPr>
+                      <a:xfrm>
+                        <a:off x="3461742" y="4053670"/>
+                        <a:ext cx="1218270" cy="599466"/>
+                      </a:xfrm>
+                      <a:prstGeom prst="rect">
+                        <a:avLst/>
+                      </a:prstGeom>
+                    </p:spPr>
+                  </p:pic>
+                </p:oleObj>
+              </mc:Fallback>
+            </mc:AlternateContent>
+          </a:graphicData>
+        </a:graphic>
+      </p:graphicFrame>
+      <p:graphicFrame>
+        <p:nvGraphicFramePr>
+          <p:cNvPr id="8" name="对象 7"/>
+          <p:cNvGraphicFramePr>
+            <a:graphicFrameLocks noChangeAspect="1"/>
+          </p:cNvGraphicFramePr>
+          <p:nvPr>
+            <p:extLst>
+              <p:ext uri="{D42A27DB-BD31-4B8C-83A1-F6EECF244321}">
+                <p14:modId xmlns:p14="http://schemas.microsoft.com/office/powerpoint/2010/main" val="643555686"/>
+              </p:ext>
+            </p:extLst>
+          </p:nvPr>
+        </p:nvGraphicFramePr>
+        <p:xfrm>
+          <a:off x="3347864" y="4972584"/>
+          <a:ext cx="1498972" cy="760672"/>
+        </p:xfrm>
+        <a:graphic>
+          <a:graphicData uri="http://schemas.openxmlformats.org/presentationml/2006/ole">
+            <mc:AlternateContent xmlns:mc="http://schemas.openxmlformats.org/markup-compatibility/2006">
+              <mc:Choice xmlns:v="urn:schemas-microsoft-com:vml" Requires="v">
+                <p:oleObj spid="_x0000_s3108" name="Equation" r:id="rId7" imgW="850680" imgH="431640" progId="Equation.DSMT4">
+                  <p:embed/>
+                </p:oleObj>
+              </mc:Choice>
+              <mc:Fallback>
+                <p:oleObj name="Equation" r:id="rId7" imgW="850680" imgH="431640" progId="Equation.DSMT4">
+                  <p:embed/>
+                  <p:pic>
+                    <p:nvPicPr>
+                      <p:cNvPr id="0" name=""/>
+                      <p:cNvPicPr/>
+                      <p:nvPr/>
+                    </p:nvPicPr>
+                    <p:blipFill>
+                      <a:blip r:embed="rId8"/>
+                      <a:stretch>
+                        <a:fillRect/>
+                      </a:stretch>
+                    </p:blipFill>
+                    <p:spPr>
+                      <a:xfrm>
+                        <a:off x="3347864" y="4972584"/>
+                        <a:ext cx="1498972" cy="760672"/>
+                      </a:xfrm>
+                      <a:prstGeom prst="rect">
+                        <a:avLst/>
+                      </a:prstGeom>
+                    </p:spPr>
+                  </p:pic>
+                </p:oleObj>
+              </mc:Fallback>
+            </mc:AlternateContent>
+          </a:graphicData>
+        </a:graphic>
+      </p:graphicFrame>
+      <p:sp>
+        <p:nvSpPr>
+          <p:cNvPr id="9" name="TextBox 8"/>
+          <p:cNvSpPr txBox="1"/>
+          <p:nvPr/>
+        </p:nvSpPr>
+        <p:spPr>
+          <a:xfrm>
+            <a:off x="1763688" y="4633391"/>
+            <a:ext cx="7560840" cy="307777"/>
+          </a:xfrm>
+          <a:prstGeom prst="rect">
+            <a:avLst/>
+          </a:prstGeom>
+          <a:noFill/>
+        </p:spPr>
+        <p:txBody>
+          <a:bodyPr wrap="square" rtlCol="0">
+            <a:spAutoFit/>
+          </a:bodyPr>
+          <a:lstStyle/>
+          <a:p>
+            <a:r>
+              <a:rPr lang="en-US" altLang="zh-CN" sz="1400" dirty="0" err="1" smtClean="0"/>
+              <a:t>dP</a:t>
+            </a:r>
+            <a:r>
+              <a:rPr lang="zh-CN" altLang="en-US" sz="1400" dirty="0" smtClean="0"/>
+              <a:t>：人类感觉的变化          ：物理刺激程度的变化     </a:t>
+            </a:r>
+            <a:r>
+              <a:rPr lang="en-US" altLang="zh-CN" sz="1400" dirty="0"/>
+              <a:t>K</a:t>
+            </a:r>
+            <a:r>
+              <a:rPr lang="zh-CN" altLang="en-US" sz="1400" dirty="0" smtClean="0"/>
+              <a:t>：系统比例常数</a:t>
+            </a:r>
+            <a:endParaRPr lang="zh-CN" altLang="en-US" sz="1400" dirty="0"/>
+          </a:p>
+        </p:txBody>
+      </p:sp>
+      <p:graphicFrame>
+        <p:nvGraphicFramePr>
+          <p:cNvPr id="10" name="对象 9"/>
+          <p:cNvGraphicFramePr>
+            <a:graphicFrameLocks noChangeAspect="1"/>
+          </p:cNvGraphicFramePr>
+          <p:nvPr>
+            <p:extLst>
+              <p:ext uri="{D42A27DB-BD31-4B8C-83A1-F6EECF244321}">
+                <p14:modId xmlns:p14="http://schemas.microsoft.com/office/powerpoint/2010/main" val="584615360"/>
+              </p:ext>
+            </p:extLst>
+          </p:nvPr>
+        </p:nvGraphicFramePr>
+        <p:xfrm>
+          <a:off x="3610620" y="4581128"/>
+          <a:ext cx="241300" cy="393700"/>
+        </p:xfrm>
+        <a:graphic>
+          <a:graphicData uri="http://schemas.openxmlformats.org/presentationml/2006/ole">
+            <mc:AlternateContent xmlns:mc="http://schemas.openxmlformats.org/markup-compatibility/2006">
+              <mc:Choice xmlns:v="urn:schemas-microsoft-com:vml" Requires="v">
+                <p:oleObj spid="_x0000_s3109" name="Equation" r:id="rId9" imgW="241200" imgH="393480" progId="Equation.DSMT4">
+                  <p:embed/>
+                </p:oleObj>
+              </mc:Choice>
+              <mc:Fallback>
+                <p:oleObj name="Equation" r:id="rId9" imgW="241200" imgH="393480" progId="Equation.DSMT4">
+                  <p:embed/>
+                  <p:pic>
+                    <p:nvPicPr>
+                      <p:cNvPr id="0" name=""/>
+                      <p:cNvPicPr/>
+                      <p:nvPr/>
+                    </p:nvPicPr>
+                    <p:blipFill>
+                      <a:blip r:embed="rId10"/>
+                      <a:stretch>
+                        <a:fillRect/>
+                      </a:stretch>
+                    </p:blipFill>
+                    <p:spPr>
+                      <a:xfrm>
+                        <a:off x="3610620" y="4581128"/>
+                        <a:ext cx="241300" cy="393700"/>
+                      </a:xfrm>
+                      <a:prstGeom prst="rect">
+                        <a:avLst/>
+                      </a:prstGeom>
+                    </p:spPr>
+                  </p:pic>
+                </p:oleObj>
+              </mc:Fallback>
+            </mc:AlternateContent>
+          </a:graphicData>
+        </a:graphic>
+      </p:graphicFrame>
+      <p:sp>
+        <p:nvSpPr>
+          <p:cNvPr id="11" name="TextBox 10"/>
+          <p:cNvSpPr txBox="1"/>
+          <p:nvPr/>
+        </p:nvSpPr>
+        <p:spPr>
+          <a:xfrm>
+            <a:off x="2339752" y="5713510"/>
+            <a:ext cx="3456384" cy="307777"/>
+          </a:xfrm>
+          <a:prstGeom prst="rect">
+            <a:avLst/>
+          </a:prstGeom>
+          <a:noFill/>
+        </p:spPr>
+        <p:txBody>
+          <a:bodyPr wrap="square" rtlCol="0">
+            <a:spAutoFit/>
+          </a:bodyPr>
+          <a:lstStyle/>
+          <a:p>
+            <a:r>
+              <a:rPr lang="zh-CN" altLang="en-US" sz="1400" dirty="0" smtClean="0"/>
+              <a:t>       ：最小物理刺激        </a:t>
+            </a:r>
+            <a:r>
+              <a:rPr lang="en-US" altLang="zh-CN" sz="1400" dirty="0" smtClean="0"/>
+              <a:t>S</a:t>
+            </a:r>
+            <a:r>
+              <a:rPr lang="zh-CN" altLang="en-US" sz="1400" dirty="0" smtClean="0"/>
+              <a:t>：物理刺激程度</a:t>
+            </a:r>
+            <a:endParaRPr lang="zh-CN" altLang="en-US" sz="1400" dirty="0"/>
+          </a:p>
+        </p:txBody>
+      </p:sp>
+      <p:graphicFrame>
+        <p:nvGraphicFramePr>
+          <p:cNvPr id="12" name="对象 11"/>
+          <p:cNvGraphicFramePr>
+            <a:graphicFrameLocks noChangeAspect="1"/>
+          </p:cNvGraphicFramePr>
+          <p:nvPr>
+            <p:extLst>
+              <p:ext uri="{D42A27DB-BD31-4B8C-83A1-F6EECF244321}">
+                <p14:modId xmlns:p14="http://schemas.microsoft.com/office/powerpoint/2010/main" val="836518881"/>
+              </p:ext>
+            </p:extLst>
+          </p:nvPr>
+        </p:nvGraphicFramePr>
+        <p:xfrm>
+          <a:off x="2483768" y="5792688"/>
+          <a:ext cx="177800" cy="228600"/>
+        </p:xfrm>
+        <a:graphic>
+          <a:graphicData uri="http://schemas.openxmlformats.org/presentationml/2006/ole">
+            <mc:AlternateContent xmlns:mc="http://schemas.openxmlformats.org/markup-compatibility/2006">
+              <mc:Choice xmlns:v="urn:schemas-microsoft-com:vml" Requires="v">
+                <p:oleObj spid="_x0000_s3110" name="Equation" r:id="rId11" imgW="177480" imgH="228600" progId="Equation.DSMT4">
+                  <p:embed/>
+                </p:oleObj>
+              </mc:Choice>
+              <mc:Fallback>
+                <p:oleObj name="Equation" r:id="rId11" imgW="177480" imgH="228600" progId="Equation.DSMT4">
+                  <p:embed/>
+                  <p:pic>
+                    <p:nvPicPr>
+                      <p:cNvPr id="0" name=""/>
+                      <p:cNvPicPr/>
+                      <p:nvPr/>
+                    </p:nvPicPr>
+                    <p:blipFill>
+                      <a:blip r:embed="rId12"/>
+                      <a:stretch>
+                        <a:fillRect/>
+                      </a:stretch>
+                    </p:blipFill>
+                    <p:spPr>
+                      <a:xfrm>
+                        <a:off x="2483768" y="5792688"/>
+                        <a:ext cx="177800" cy="228600"/>
+                      </a:xfrm>
+                      <a:prstGeom prst="rect">
+                        <a:avLst/>
+                      </a:prstGeom>
+                    </p:spPr>
+                  </p:pic>
+                </p:oleObj>
+              </mc:Fallback>
+            </mc:AlternateContent>
+          </a:graphicData>
+        </a:graphic>
+      </p:graphicFrame>
+    </p:spTree>
+    <p:extLst>
+      <p:ext uri="{BB962C8B-B14F-4D97-AF65-F5344CB8AC3E}">
+        <p14:creationId xmlns:p14="http://schemas.microsoft.com/office/powerpoint/2010/main" val="1516846756"/>
+      </p:ext>
+    </p:extLst>
+  </p:cSld>
+  <p:clrMapOvr>
+    <a:masterClrMapping/>
+  </p:clrMapOvr>
+</p:sld>
+</file>
+
+<file path=ppt/slides/slide3.xml><?xml version="1.0" encoding="utf-8"?>
 <p:sld xmlns:a="http://schemas.openxmlformats.org/drawingml/2006/main" xmlns:r="http://schemas.openxmlformats.org/officeDocument/2006/relationships" xmlns:p="http://schemas.openxmlformats.org/presentationml/2006/main">
   <p:cSld>
     <p:spTree>
@@ -3902,7 +5459,7 @@
 </p:sld>
 </file>
 
-<file path=ppt/slides/slide3.xml><?xml version="1.0" encoding="utf-8"?>
+<file path=ppt/slides/slide4.xml><?xml version="1.0" encoding="utf-8"?>
 <p:sld xmlns:a="http://schemas.openxmlformats.org/drawingml/2006/main" xmlns:r="http://schemas.openxmlformats.org/officeDocument/2006/relationships" xmlns:p="http://schemas.openxmlformats.org/presentationml/2006/main">
   <p:cSld>
     <p:spTree>
@@ -4043,7 +5600,7 @@
           <a:graphicData uri="http://schemas.openxmlformats.org/presentationml/2006/ole">
             <mc:AlternateContent xmlns:mc="http://schemas.openxmlformats.org/markup-compatibility/2006">
               <mc:Choice xmlns:v="urn:schemas-microsoft-com:vml" Requires="v">
-                <p:oleObj spid="_x0000_s2073" name="Equation" r:id="rId3" imgW="1422360" imgH="241200" progId="Equation.DSMT4">
+                <p:oleObj spid="_x0000_s2115" name="Equation" r:id="rId3" imgW="1422360" imgH="241200" progId="Equation.DSMT4">
                   <p:embed/>
                 </p:oleObj>
               </mc:Choice>
@@ -4100,7 +5657,7 @@
           <a:graphicData uri="http://schemas.openxmlformats.org/presentationml/2006/ole">
             <mc:AlternateContent xmlns:mc="http://schemas.openxmlformats.org/markup-compatibility/2006">
               <mc:Choice xmlns:v="urn:schemas-microsoft-com:vml" Requires="v">
-                <p:oleObj spid="_x0000_s2074" name="Equation" r:id="rId5" imgW="1498320" imgH="241200" progId="Equation.DSMT4">
+                <p:oleObj spid="_x0000_s2116" name="Equation" r:id="rId5" imgW="1498320" imgH="241200" progId="Equation.DSMT4">
                   <p:embed/>
                 </p:oleObj>
               </mc:Choice>
@@ -4157,7 +5714,7 @@
           <a:graphicData uri="http://schemas.openxmlformats.org/presentationml/2006/ole">
             <mc:AlternateContent xmlns:mc="http://schemas.openxmlformats.org/markup-compatibility/2006">
               <mc:Choice xmlns:v="urn:schemas-microsoft-com:vml" Requires="v">
-                <p:oleObj spid="_x0000_s2075" name="Equation" r:id="rId7" imgW="1942920" imgH="241200" progId="Equation.DSMT4">
+                <p:oleObj spid="_x0000_s2117" name="Equation" r:id="rId7" imgW="1942920" imgH="241200" progId="Equation.DSMT4">
                   <p:embed/>
                 </p:oleObj>
               </mc:Choice>
@@ -4318,7 +5875,7 @@
           <a:graphicData uri="http://schemas.openxmlformats.org/presentationml/2006/ole">
             <mc:AlternateContent xmlns:mc="http://schemas.openxmlformats.org/markup-compatibility/2006">
               <mc:Choice xmlns:v="urn:schemas-microsoft-com:vml" Requires="v">
-                <p:oleObj spid="_x0000_s2076" name="Equation" r:id="rId9" imgW="634680" imgH="431640" progId="Equation.DSMT4">
+                <p:oleObj spid="_x0000_s2118" name="Equation" r:id="rId9" imgW="634680" imgH="431640" progId="Equation.DSMT4">
                   <p:embed/>
                 </p:oleObj>
               </mc:Choice>
@@ -4375,7 +5932,7 @@
           <a:graphicData uri="http://schemas.openxmlformats.org/presentationml/2006/ole">
             <mc:AlternateContent xmlns:mc="http://schemas.openxmlformats.org/markup-compatibility/2006">
               <mc:Choice xmlns:v="urn:schemas-microsoft-com:vml" Requires="v">
-                <p:oleObj spid="_x0000_s2077" name="Equation" r:id="rId11" imgW="914400" imgH="198720" progId="Equation.DSMT4">
+                <p:oleObj spid="_x0000_s2119" name="Equation" r:id="rId11" imgW="914400" imgH="198720" progId="Equation.DSMT4">
                   <p:embed/>
                 </p:oleObj>
               </mc:Choice>
@@ -4432,7 +5989,7 @@
           <a:graphicData uri="http://schemas.openxmlformats.org/presentationml/2006/ole">
             <mc:AlternateContent xmlns:mc="http://schemas.openxmlformats.org/markup-compatibility/2006">
               <mc:Choice xmlns:v="urn:schemas-microsoft-com:vml" Requires="v">
-                <p:oleObj spid="_x0000_s2078" name="Equation" r:id="rId13" imgW="1117440" imgH="444240" progId="Equation.DSMT4">
+                <p:oleObj spid="_x0000_s2120" name="Equation" r:id="rId13" imgW="1117440" imgH="444240" progId="Equation.DSMT4">
                   <p:embed/>
                 </p:oleObj>
               </mc:Choice>
@@ -4489,7 +6046,7 @@
           <a:graphicData uri="http://schemas.openxmlformats.org/presentationml/2006/ole">
             <mc:AlternateContent xmlns:mc="http://schemas.openxmlformats.org/markup-compatibility/2006">
               <mc:Choice xmlns:v="urn:schemas-microsoft-com:vml" Requires="v">
-                <p:oleObj spid="_x0000_s2079" name="Equation" r:id="rId15" imgW="2108160" imgH="596880" progId="Equation.DSMT4">
+                <p:oleObj spid="_x0000_s2121" name="Equation" r:id="rId15" imgW="2108160" imgH="596880" progId="Equation.DSMT4">
                   <p:embed/>
                 </p:oleObj>
               </mc:Choice>
@@ -4544,7 +6101,7 @@
 </p:sld>
 </file>
 
-<file path=ppt/slides/slide4.xml><?xml version="1.0" encoding="utf-8"?>
+<file path=ppt/slides/slide5.xml><?xml version="1.0" encoding="utf-8"?>
 <p:sld xmlns:a="http://schemas.openxmlformats.org/drawingml/2006/main" xmlns:r="http://schemas.openxmlformats.org/officeDocument/2006/relationships" xmlns:p="http://schemas.openxmlformats.org/presentationml/2006/main">
   <p:cSld>
     <p:spTree>
@@ -4872,136 +6429,6 @@
 </p:sld>
 </file>
 
-<file path=ppt/slides/slide5.xml><?xml version="1.0" encoding="utf-8"?>
-<p:sld xmlns:a="http://schemas.openxmlformats.org/drawingml/2006/main" xmlns:r="http://schemas.openxmlformats.org/officeDocument/2006/relationships" xmlns:p="http://schemas.openxmlformats.org/presentationml/2006/main">
-  <p:cSld>
-    <p:spTree>
-      <p:nvGrpSpPr>
-        <p:cNvPr id="1" name=""/>
-        <p:cNvGrpSpPr/>
-        <p:nvPr/>
-      </p:nvGrpSpPr>
-      <p:grpSpPr>
-        <a:xfrm>
-          <a:off x="0" y="0"/>
-          <a:ext cx="0" cy="0"/>
-          <a:chOff x="0" y="0"/>
-          <a:chExt cx="0" cy="0"/>
-        </a:xfrm>
-      </p:grpSpPr>
-      <p:sp>
-        <p:nvSpPr>
-          <p:cNvPr id="2" name="标题 1"/>
-          <p:cNvSpPr>
-            <a:spLocks noGrp="1"/>
-          </p:cNvSpPr>
-          <p:nvPr>
-            <p:ph type="title"/>
-          </p:nvPr>
-        </p:nvSpPr>
-        <p:spPr/>
-        <p:txBody>
-          <a:bodyPr/>
-          <a:lstStyle/>
-          <a:p>
-            <a:r>
-              <a:rPr lang="zh-CN" altLang="en-US" dirty="0" smtClean="0"/>
-              <a:t>基于机器学习的评价方法</a:t>
-            </a:r>
-            <a:endParaRPr lang="en-US" dirty="0"/>
-          </a:p>
-        </p:txBody>
-      </p:sp>
-      <p:sp>
-        <p:nvSpPr>
-          <p:cNvPr id="3" name="内容占位符 2"/>
-          <p:cNvSpPr>
-            <a:spLocks noGrp="1"/>
-          </p:cNvSpPr>
-          <p:nvPr>
-            <p:ph idx="1"/>
-          </p:nvPr>
-        </p:nvSpPr>
-        <p:spPr/>
-        <p:txBody>
-          <a:bodyPr/>
-          <a:lstStyle/>
-          <a:p>
-            <a:pPr marL="0" indent="0">
-              <a:buNone/>
-            </a:pPr>
-            <a:r>
-              <a:rPr lang="zh-CN" altLang="en-US" b="1" dirty="0" smtClean="0"/>
-              <a:t>基本思路</a:t>
-            </a:r>
-            <a:r>
-              <a:rPr lang="zh-CN" altLang="en-US" b="1" dirty="0"/>
-              <a:t>：</a:t>
-            </a:r>
-            <a:r>
-              <a:rPr lang="zh-CN" altLang="en-US" sz="2800" dirty="0" smtClean="0"/>
-              <a:t>采用机器学习的方法对大量的样本数据进行训练学习，可以得出</a:t>
-            </a:r>
-            <a:r>
-              <a:rPr lang="en-US" altLang="zh-CN" sz="2800" dirty="0" err="1" smtClean="0"/>
-              <a:t>QoE</a:t>
-            </a:r>
-            <a:r>
-              <a:rPr lang="zh-CN" altLang="en-US" sz="2800" dirty="0" smtClean="0"/>
-              <a:t>与各个影响因素之间的函数关系式。</a:t>
-            </a:r>
-            <a:endParaRPr lang="en-US" altLang="zh-CN" sz="2800" dirty="0" smtClean="0"/>
-          </a:p>
-          <a:p>
-            <a:pPr marL="0" indent="0">
-              <a:buNone/>
-            </a:pPr>
-            <a:endParaRPr lang="en-US" altLang="zh-CN" sz="2800" dirty="0"/>
-          </a:p>
-          <a:p>
-            <a:pPr>
-              <a:buFont typeface="Wingdings" pitchFamily="2" charset="2"/>
-              <a:buChar char="Ø"/>
-            </a:pPr>
-            <a:r>
-              <a:rPr lang="zh-CN" altLang="en-US" sz="2800" dirty="0" smtClean="0"/>
-              <a:t>决策树</a:t>
-            </a:r>
-            <a:endParaRPr lang="en-US" altLang="zh-CN" sz="2800" dirty="0" smtClean="0"/>
-          </a:p>
-          <a:p>
-            <a:pPr>
-              <a:buFont typeface="Wingdings" pitchFamily="2" charset="2"/>
-              <a:buChar char="Ø"/>
-            </a:pPr>
-            <a:r>
-              <a:rPr lang="zh-CN" altLang="en-US" sz="2800" dirty="0" smtClean="0"/>
-              <a:t>支持向量机</a:t>
-            </a:r>
-            <a:endParaRPr lang="en-US" altLang="zh-CN" sz="2800" dirty="0" smtClean="0"/>
-          </a:p>
-        </p:txBody>
-      </p:sp>
-    </p:spTree>
-    <p:extLst>
-      <p:ext uri="{BB962C8B-B14F-4D97-AF65-F5344CB8AC3E}">
-        <p14:creationId xmlns:p14="http://schemas.microsoft.com/office/powerpoint/2010/main" val="2213077371"/>
-      </p:ext>
-    </p:extLst>
-  </p:cSld>
-  <p:clrMapOvr>
-    <a:masterClrMapping/>
-  </p:clrMapOvr>
-  <p:timing>
-    <p:tnLst>
-      <p:par>
-        <p:cTn id="1" dur="indefinite" restart="never" nodeType="tmRoot"/>
-      </p:par>
-    </p:tnLst>
-  </p:timing>
-</p:sld>
-</file>
-
 <file path=ppt/slides/slide6.xml><?xml version="1.0" encoding="utf-8"?>
 <p:sld xmlns:a="http://schemas.openxmlformats.org/drawingml/2006/main" xmlns:r="http://schemas.openxmlformats.org/officeDocument/2006/relationships" xmlns:p="http://schemas.openxmlformats.org/presentationml/2006/main">
   <p:cSld>
@@ -5036,94 +6463,86 @@
           <a:p>
             <a:r>
               <a:rPr lang="zh-CN" altLang="en-US" dirty="0" smtClean="0"/>
+              <a:t>基于机器学习的评价方法</a:t>
+            </a:r>
+            <a:endParaRPr lang="en-US" dirty="0"/>
+          </a:p>
+        </p:txBody>
+      </p:sp>
+      <p:sp>
+        <p:nvSpPr>
+          <p:cNvPr id="3" name="内容占位符 2"/>
+          <p:cNvSpPr>
+            <a:spLocks noGrp="1"/>
+          </p:cNvSpPr>
+          <p:nvPr>
+            <p:ph idx="1"/>
+          </p:nvPr>
+        </p:nvSpPr>
+        <p:spPr/>
+        <p:txBody>
+          <a:bodyPr/>
+          <a:lstStyle/>
+          <a:p>
+            <a:pPr marL="0" indent="0">
+              <a:buNone/>
+            </a:pPr>
+            <a:r>
+              <a:rPr lang="zh-CN" altLang="en-US" b="1" dirty="0" smtClean="0"/>
+              <a:t>基本思路</a:t>
+            </a:r>
+            <a:r>
+              <a:rPr lang="zh-CN" altLang="en-US" b="1" dirty="0"/>
+              <a:t>：</a:t>
+            </a:r>
+            <a:r>
+              <a:rPr lang="zh-CN" altLang="en-US" sz="2800" dirty="0" smtClean="0"/>
+              <a:t>采用机器学习的方法对大量的样本数据进行训练学习，可以得出</a:t>
+            </a:r>
+            <a:r>
+              <a:rPr lang="en-US" altLang="zh-CN" sz="2800" dirty="0" err="1" smtClean="0"/>
+              <a:t>QoE</a:t>
+            </a:r>
+            <a:r>
+              <a:rPr lang="zh-CN" altLang="en-US" sz="2800" dirty="0" smtClean="0"/>
+              <a:t>与各个影响因素之间的函数关系式。</a:t>
+            </a:r>
+            <a:endParaRPr lang="en-US" altLang="zh-CN" sz="2800" dirty="0" smtClean="0"/>
+          </a:p>
+          <a:p>
+            <a:pPr marL="0" indent="0">
+              <a:buNone/>
+            </a:pPr>
+            <a:endParaRPr lang="en-US" altLang="zh-CN" sz="2800" dirty="0"/>
+          </a:p>
+          <a:p>
+            <a:pPr>
+              <a:buFont typeface="Wingdings" pitchFamily="2" charset="2"/>
+              <a:buChar char="Ø"/>
+            </a:pPr>
+            <a:r>
+              <a:rPr lang="zh-CN" altLang="en-US" sz="2800" dirty="0" smtClean="0"/>
               <a:t>决策树</a:t>
             </a:r>
-            <a:endParaRPr lang="en-US" dirty="0"/>
-          </a:p>
-        </p:txBody>
-      </p:sp>
-      <p:sp>
-        <p:nvSpPr>
-          <p:cNvPr id="3" name="内容占位符 2"/>
-          <p:cNvSpPr>
-            <a:spLocks noGrp="1"/>
-          </p:cNvSpPr>
-          <p:nvPr>
-            <p:ph idx="1"/>
-          </p:nvPr>
-        </p:nvSpPr>
-        <p:spPr>
-          <a:xfrm>
-            <a:off x="457200" y="1600201"/>
-            <a:ext cx="8229600" cy="1180728"/>
-          </a:xfrm>
-        </p:spPr>
-        <p:txBody>
-          <a:bodyPr>
-            <a:noAutofit/>
-          </a:bodyPr>
-          <a:lstStyle/>
-          <a:p>
-            <a:pPr marL="0" indent="0">
-              <a:buNone/>
+            <a:endParaRPr lang="en-US" altLang="zh-CN" sz="2800" dirty="0" smtClean="0"/>
+          </a:p>
+          <a:p>
+            <a:pPr>
+              <a:buFont typeface="Wingdings" pitchFamily="2" charset="2"/>
+              <a:buChar char="Ø"/>
             </a:pPr>
             <a:r>
-              <a:rPr lang="zh-CN" altLang="en-US" sz="2000" dirty="0"/>
-              <a:t>决策树是一种类似流程图的树结构，其中每个内部节点（非树叶节点）表示在一个属性上的测试，每个分枝代表一个测试输出，而每个树叶节点存放一个类标号。一旦建立好了决策树，对于一个未给定类标号的元组，跟踪一条有根节点到叶节点的路径，该叶节点就存放着该元组的预测。</a:t>
-            </a:r>
-            <a:endParaRPr lang="en-US" altLang="zh-CN" sz="2000" dirty="0" smtClean="0"/>
-          </a:p>
-        </p:txBody>
-      </p:sp>
-      <p:sp>
-        <p:nvSpPr>
-          <p:cNvPr id="4" name="TextBox 3"/>
-          <p:cNvSpPr txBox="1"/>
-          <p:nvPr/>
-        </p:nvSpPr>
-        <p:spPr>
-          <a:xfrm>
-            <a:off x="539552" y="3598565"/>
-            <a:ext cx="7920880" cy="1846659"/>
-          </a:xfrm>
-          <a:prstGeom prst="rect">
-            <a:avLst/>
-          </a:prstGeom>
-          <a:noFill/>
-        </p:spPr>
-        <p:txBody>
-          <a:bodyPr wrap="square" rtlCol="0">
-            <a:spAutoFit/>
-          </a:bodyPr>
-          <a:lstStyle/>
-          <a:p>
-            <a:r>
-              <a:rPr lang="en-US" sz="2400" b="1" dirty="0" smtClean="0"/>
-              <a:t>ID3</a:t>
-            </a:r>
-            <a:r>
-              <a:rPr lang="zh-CN" altLang="en-US" sz="2400" b="1" dirty="0" smtClean="0"/>
-              <a:t>算法</a:t>
-            </a:r>
-            <a:endParaRPr lang="en-US" altLang="zh-CN" sz="2400" b="1" dirty="0" smtClean="0"/>
-          </a:p>
-          <a:p>
-            <a:r>
-              <a:rPr lang="zh-CN" altLang="en-US" b="1" dirty="0" smtClean="0"/>
-              <a:t>基本思路：</a:t>
-            </a:r>
-            <a:r>
-              <a:rPr lang="zh-CN" altLang="en-US" dirty="0"/>
-              <a:t>一个迭代算法，对决策树中的每一个节点按照选定的属性部署一个测试。属性的选择依据信息增益的度量。对每一个属性可能的值，都产生一个分支。针对分支，将训练样本分成几个集合。对每个分支重复进行上述过程。当没必要继续对训练数据进行分类时，算法完成一个路径，增加一个叶子节点，并将其和剩下的数据中数量最多的那一类型进行关联。</a:t>
-            </a:r>
-            <a:endParaRPr lang="en-US" b="1" dirty="0"/>
+              <a:rPr lang="zh-CN" altLang="en-US" sz="2800" dirty="0" smtClean="0"/>
+              <a:t>支持向量机</a:t>
+            </a:r>
+            <a:endParaRPr lang="en-US" altLang="zh-CN" sz="2800" dirty="0" smtClean="0"/>
           </a:p>
         </p:txBody>
       </p:sp>
     </p:spTree>
     <p:extLst>
       <p:ext uri="{BB962C8B-B14F-4D97-AF65-F5344CB8AC3E}">
-        <p14:creationId xmlns:p14="http://schemas.microsoft.com/office/powerpoint/2010/main" val="3680280996"/>
+        <p14:creationId xmlns:p14="http://schemas.microsoft.com/office/powerpoint/2010/main" val="2213077371"/>
       </p:ext>
     </p:extLst>
   </p:cSld>
@@ -5164,6 +6583,144 @@
             <a:spLocks noGrp="1"/>
           </p:cNvSpPr>
           <p:nvPr>
+            <p:ph type="title"/>
+          </p:nvPr>
+        </p:nvSpPr>
+        <p:spPr/>
+        <p:txBody>
+          <a:bodyPr/>
+          <a:lstStyle/>
+          <a:p>
+            <a:r>
+              <a:rPr lang="zh-CN" altLang="en-US" dirty="0" smtClean="0"/>
+              <a:t>决策树</a:t>
+            </a:r>
+            <a:endParaRPr lang="en-US" dirty="0"/>
+          </a:p>
+        </p:txBody>
+      </p:sp>
+      <p:sp>
+        <p:nvSpPr>
+          <p:cNvPr id="3" name="内容占位符 2"/>
+          <p:cNvSpPr>
+            <a:spLocks noGrp="1"/>
+          </p:cNvSpPr>
+          <p:nvPr>
+            <p:ph idx="1"/>
+          </p:nvPr>
+        </p:nvSpPr>
+        <p:spPr>
+          <a:xfrm>
+            <a:off x="457200" y="1600201"/>
+            <a:ext cx="8229600" cy="1180728"/>
+          </a:xfrm>
+        </p:spPr>
+        <p:txBody>
+          <a:bodyPr>
+            <a:noAutofit/>
+          </a:bodyPr>
+          <a:lstStyle/>
+          <a:p>
+            <a:pPr marL="0" indent="0">
+              <a:buNone/>
+            </a:pPr>
+            <a:r>
+              <a:rPr lang="zh-CN" altLang="en-US" sz="2000" dirty="0"/>
+              <a:t>决策树是一种类似流程图的树结构，其中每个内部节点（非树叶节点）表示在一个属性上的测试，每个分枝代表一个测试输出，而每个树叶节点存放一个类标号。一旦建立好了决策树，对于一个未给定类标号的元组，跟踪一条有根节点到叶节点的路径，该叶节点就存放着该元组的预测。</a:t>
+            </a:r>
+            <a:endParaRPr lang="en-US" altLang="zh-CN" sz="2000" dirty="0" smtClean="0"/>
+          </a:p>
+        </p:txBody>
+      </p:sp>
+      <p:sp>
+        <p:nvSpPr>
+          <p:cNvPr id="4" name="TextBox 3"/>
+          <p:cNvSpPr txBox="1"/>
+          <p:nvPr/>
+        </p:nvSpPr>
+        <p:spPr>
+          <a:xfrm>
+            <a:off x="539552" y="3598565"/>
+            <a:ext cx="7920880" cy="1846659"/>
+          </a:xfrm>
+          <a:prstGeom prst="rect">
+            <a:avLst/>
+          </a:prstGeom>
+          <a:noFill/>
+        </p:spPr>
+        <p:txBody>
+          <a:bodyPr wrap="square" rtlCol="0">
+            <a:spAutoFit/>
+          </a:bodyPr>
+          <a:lstStyle/>
+          <a:p>
+            <a:r>
+              <a:rPr lang="en-US" sz="2400" b="1" dirty="0" smtClean="0"/>
+              <a:t>ID3</a:t>
+            </a:r>
+            <a:r>
+              <a:rPr lang="zh-CN" altLang="en-US" sz="2400" b="1" dirty="0" smtClean="0"/>
+              <a:t>算法</a:t>
+            </a:r>
+            <a:endParaRPr lang="en-US" altLang="zh-CN" sz="2400" b="1" dirty="0" smtClean="0"/>
+          </a:p>
+          <a:p>
+            <a:r>
+              <a:rPr lang="zh-CN" altLang="en-US" b="1" dirty="0" smtClean="0"/>
+              <a:t>基本思路：</a:t>
+            </a:r>
+            <a:r>
+              <a:rPr lang="zh-CN" altLang="en-US" dirty="0"/>
+              <a:t>一个迭代算法，对决策树中的每一个节点按照选定的属性部署一个测试。属性的选择依据信息增益的度量。对每一个属性可能的值，都产生一个分支。针对分支，将训练样本分成几个集合。对每个分支重复进行上述过程。当没必要继续对训练数据进行分类时，算法完成一个路径，增加一个叶子节点，并将其和剩下的数据中数量最多的那一类型进行关联。</a:t>
+            </a:r>
+            <a:endParaRPr lang="en-US" b="1" dirty="0"/>
+          </a:p>
+        </p:txBody>
+      </p:sp>
+    </p:spTree>
+    <p:extLst>
+      <p:ext uri="{BB962C8B-B14F-4D97-AF65-F5344CB8AC3E}">
+        <p14:creationId xmlns:p14="http://schemas.microsoft.com/office/powerpoint/2010/main" val="3680280996"/>
+      </p:ext>
+    </p:extLst>
+  </p:cSld>
+  <p:clrMapOvr>
+    <a:masterClrMapping/>
+  </p:clrMapOvr>
+  <p:timing>
+    <p:tnLst>
+      <p:par>
+        <p:cTn id="1" dur="indefinite" restart="never" nodeType="tmRoot"/>
+      </p:par>
+    </p:tnLst>
+  </p:timing>
+</p:sld>
+</file>
+
+<file path=ppt/slides/slide8.xml><?xml version="1.0" encoding="utf-8"?>
+<p:sld xmlns:a="http://schemas.openxmlformats.org/drawingml/2006/main" xmlns:r="http://schemas.openxmlformats.org/officeDocument/2006/relationships" xmlns:p="http://schemas.openxmlformats.org/presentationml/2006/main">
+  <p:cSld>
+    <p:spTree>
+      <p:nvGrpSpPr>
+        <p:cNvPr id="1" name=""/>
+        <p:cNvGrpSpPr/>
+        <p:nvPr/>
+      </p:nvGrpSpPr>
+      <p:grpSpPr>
+        <a:xfrm>
+          <a:off x="0" y="0"/>
+          <a:ext cx="0" cy="0"/>
+          <a:chOff x="0" y="0"/>
+          <a:chExt cx="0" cy="0"/>
+        </a:xfrm>
+      </p:grpSpPr>
+      <p:sp>
+        <p:nvSpPr>
+          <p:cNvPr id="2" name="标题 1"/>
+          <p:cNvSpPr>
+            <a:spLocks noGrp="1"/>
+          </p:cNvSpPr>
+          <p:nvPr>
             <p:ph type="ctrTitle"/>
           </p:nvPr>
         </p:nvSpPr>
@@ -5179,11 +6736,7 @@
           <a:p>
             <a:r>
               <a:rPr lang="zh-CN" altLang="en-US" dirty="0" smtClean="0"/>
-              <a:t>信息增益</a:t>
-            </a:r>
-            <a:r>
-              <a:rPr lang="zh-CN" altLang="en-US" dirty="0" smtClean="0"/>
-              <a:t>计算</a:t>
+              <a:t>信息增益计算</a:t>
             </a:r>
             <a:endParaRPr lang="en-US" dirty="0"/>
           </a:p>
@@ -5289,7 +6842,7 @@
           <a:graphicData uri="http://schemas.openxmlformats.org/presentationml/2006/ole">
             <mc:AlternateContent xmlns:mc="http://schemas.openxmlformats.org/markup-compatibility/2006">
               <mc:Choice xmlns:v="urn:schemas-microsoft-com:vml" Requires="v">
-                <p:oleObj spid="_x0000_s1059" name="Equation" r:id="rId3" imgW="914400" imgH="198720" progId="Equation.DSMT4">
+                <p:oleObj spid="_x0000_s1089" name="Equation" r:id="rId3" imgW="914400" imgH="198720" progId="Equation.DSMT4">
                   <p:embed/>
                 </p:oleObj>
               </mc:Choice>
@@ -5346,7 +6899,7 @@
           <a:graphicData uri="http://schemas.openxmlformats.org/presentationml/2006/ole">
             <mc:AlternateContent xmlns:mc="http://schemas.openxmlformats.org/markup-compatibility/2006">
               <mc:Choice xmlns:v="urn:schemas-microsoft-com:vml" Requires="v">
-                <p:oleObj spid="_x0000_s1060" name="Equation" r:id="rId5" imgW="914400" imgH="198720" progId="Equation.DSMT4">
+                <p:oleObj spid="_x0000_s1090" name="Equation" r:id="rId5" imgW="914400" imgH="198720" progId="Equation.DSMT4">
                   <p:embed/>
                 </p:oleObj>
               </mc:Choice>
@@ -5403,7 +6956,7 @@
           <a:graphicData uri="http://schemas.openxmlformats.org/presentationml/2006/ole">
             <mc:AlternateContent xmlns:mc="http://schemas.openxmlformats.org/markup-compatibility/2006">
               <mc:Choice xmlns:v="urn:schemas-microsoft-com:vml" Requires="v">
-                <p:oleObj spid="_x0000_s1061" name="Equation" r:id="rId7" imgW="2209680" imgH="431640" progId="Equation.DSMT4">
+                <p:oleObj spid="_x0000_s1091" name="Equation" r:id="rId7" imgW="2209680" imgH="431640" progId="Equation.DSMT4">
                   <p:embed/>
                 </p:oleObj>
               </mc:Choice>
@@ -5460,7 +7013,7 @@
           <a:graphicData uri="http://schemas.openxmlformats.org/presentationml/2006/ole">
             <mc:AlternateContent xmlns:mc="http://schemas.openxmlformats.org/markup-compatibility/2006">
               <mc:Choice xmlns:v="urn:schemas-microsoft-com:vml" Requires="v">
-                <p:oleObj spid="_x0000_s1062" name="Equation" r:id="rId9" imgW="152280" imgH="228600" progId="Equation.DSMT4">
+                <p:oleObj spid="_x0000_s1092" name="Equation" r:id="rId9" imgW="152280" imgH="228600" progId="Equation.DSMT4">
                   <p:embed/>
                 </p:oleObj>
               </mc:Choice>
@@ -5517,7 +7070,7 @@
           <a:graphicData uri="http://schemas.openxmlformats.org/presentationml/2006/ole">
             <mc:AlternateContent xmlns:mc="http://schemas.openxmlformats.org/markup-compatibility/2006">
               <mc:Choice xmlns:v="urn:schemas-microsoft-com:vml" Requires="v">
-                <p:oleObj spid="_x0000_s1063" name="Equation" r:id="rId11" imgW="3301920" imgH="355320" progId="Equation.DSMT4">
+                <p:oleObj spid="_x0000_s1093" name="Equation" r:id="rId11" imgW="3301920" imgH="355320" progId="Equation.DSMT4">
                   <p:embed/>
                 </p:oleObj>
               </mc:Choice>
@@ -6193,7 +7746,7 @@
 </p:sld>
 </file>
 
-<file path=ppt/slides/slide8.xml><?xml version="1.0" encoding="utf-8"?>
+<file path=ppt/slides/slide9.xml><?xml version="1.0" encoding="utf-8"?>
 <p:sld xmlns:a="http://schemas.openxmlformats.org/drawingml/2006/main" xmlns:r="http://schemas.openxmlformats.org/officeDocument/2006/relationships" xmlns:p="http://schemas.openxmlformats.org/presentationml/2006/main">
   <p:cSld>
     <p:spTree>
@@ -6410,130 +7963,6 @@
     <p:extLst>
       <p:ext uri="{BB962C8B-B14F-4D97-AF65-F5344CB8AC3E}">
         <p14:creationId xmlns:p14="http://schemas.microsoft.com/office/powerpoint/2010/main" val="3113119364"/>
-      </p:ext>
-    </p:extLst>
-  </p:cSld>
-  <p:clrMapOvr>
-    <a:masterClrMapping/>
-  </p:clrMapOvr>
-  <p:timing>
-    <p:tnLst>
-      <p:par>
-        <p:cTn id="1" dur="indefinite" restart="never" nodeType="tmRoot"/>
-      </p:par>
-    </p:tnLst>
-  </p:timing>
-</p:sld>
-</file>
-
-<file path=ppt/slides/slide9.xml><?xml version="1.0" encoding="utf-8"?>
-<p:sld xmlns:a="http://schemas.openxmlformats.org/drawingml/2006/main" xmlns:r="http://schemas.openxmlformats.org/officeDocument/2006/relationships" xmlns:p="http://schemas.openxmlformats.org/presentationml/2006/main">
-  <p:cSld>
-    <p:spTree>
-      <p:nvGrpSpPr>
-        <p:cNvPr id="1" name=""/>
-        <p:cNvGrpSpPr/>
-        <p:nvPr/>
-      </p:nvGrpSpPr>
-      <p:grpSpPr>
-        <a:xfrm>
-          <a:off x="0" y="0"/>
-          <a:ext cx="0" cy="0"/>
-          <a:chOff x="0" y="0"/>
-          <a:chExt cx="0" cy="0"/>
-        </a:xfrm>
-      </p:grpSpPr>
-      <p:sp>
-        <p:nvSpPr>
-          <p:cNvPr id="2" name="标题 1"/>
-          <p:cNvSpPr>
-            <a:spLocks noGrp="1"/>
-          </p:cNvSpPr>
-          <p:nvPr>
-            <p:ph type="title"/>
-          </p:nvPr>
-        </p:nvSpPr>
-        <p:spPr/>
-        <p:txBody>
-          <a:bodyPr/>
-          <a:lstStyle/>
-          <a:p>
-            <a:r>
-              <a:rPr lang="en-US" dirty="0" smtClean="0"/>
-              <a:t>C4.5</a:t>
-            </a:r>
-            <a:r>
-              <a:rPr lang="zh-CN" altLang="en-US" dirty="0" smtClean="0"/>
-              <a:t>算法</a:t>
-            </a:r>
-            <a:endParaRPr lang="en-US" dirty="0"/>
-          </a:p>
-        </p:txBody>
-      </p:sp>
-      <p:sp>
-        <p:nvSpPr>
-          <p:cNvPr id="3" name="内容占位符 2"/>
-          <p:cNvSpPr>
-            <a:spLocks noGrp="1"/>
-          </p:cNvSpPr>
-          <p:nvPr>
-            <p:ph idx="1"/>
-          </p:nvPr>
-        </p:nvSpPr>
-        <p:spPr/>
-        <p:txBody>
-          <a:bodyPr/>
-          <a:lstStyle/>
-          <a:p>
-            <a:pPr marL="514350" indent="-514350">
-              <a:buFont typeface="+mj-lt"/>
-              <a:buAutoNum type="arabicPeriod"/>
-            </a:pPr>
-            <a:r>
-              <a:rPr lang="zh-CN" altLang="en-US" dirty="0" smtClean="0"/>
-              <a:t>选择属性时采用信息增益率，避免采用信息增益选择属性时偏向选择选择属性取值多的属性的问题；</a:t>
-            </a:r>
-            <a:endParaRPr lang="en-US" altLang="zh-CN" dirty="0" smtClean="0"/>
-          </a:p>
-          <a:p>
-            <a:pPr marL="514350" indent="-514350">
-              <a:buFont typeface="+mj-lt"/>
-              <a:buAutoNum type="arabicPeriod"/>
-            </a:pPr>
-            <a:r>
-              <a:rPr lang="zh-CN" altLang="en-US" dirty="0" smtClean="0"/>
-              <a:t>在建树的过程中进行剪枝；</a:t>
-            </a:r>
-            <a:endParaRPr lang="en-US" altLang="zh-CN" dirty="0" smtClean="0"/>
-          </a:p>
-          <a:p>
-            <a:pPr marL="514350" indent="-514350">
-              <a:buFont typeface="+mj-lt"/>
-              <a:buAutoNum type="arabicPeriod"/>
-            </a:pPr>
-            <a:r>
-              <a:rPr lang="zh-CN" altLang="en-US" dirty="0" smtClean="0"/>
-              <a:t>针对连续属性也有很好的离散化处理效果；</a:t>
-            </a:r>
-            <a:endParaRPr lang="en-US" altLang="zh-CN" dirty="0" smtClean="0"/>
-          </a:p>
-          <a:p>
-            <a:pPr marL="514350" indent="-514350">
-              <a:buFont typeface="+mj-lt"/>
-              <a:buAutoNum type="arabicPeriod"/>
-            </a:pPr>
-            <a:r>
-              <a:rPr lang="zh-CN" altLang="en-US" dirty="0" smtClean="0"/>
-              <a:t>可以对不完整的数据进行正确处理。</a:t>
-            </a:r>
-            <a:endParaRPr lang="en-US" dirty="0"/>
-          </a:p>
-        </p:txBody>
-      </p:sp>
-    </p:spTree>
-    <p:extLst>
-      <p:ext uri="{BB962C8B-B14F-4D97-AF65-F5344CB8AC3E}">
-        <p14:creationId xmlns:p14="http://schemas.microsoft.com/office/powerpoint/2010/main" val="346794372"/>
       </p:ext>
     </p:extLst>
   </p:cSld>

--- a/2016-3-8-谢平家.pptx
+++ b/2016-3-8-谢平家.pptx
@@ -18,6 +18,8 @@
     <p:sldId id="259" r:id="rId12"/>
     <p:sldId id="267" r:id="rId13"/>
     <p:sldId id="268" r:id="rId14"/>
+    <p:sldId id="269" r:id="rId15"/>
+    <p:sldId id="270" r:id="rId16"/>
   </p:sldIdLst>
   <p:sldSz cx="9144000" cy="6858000" type="screen4x3"/>
   <p:notesSz cx="6858000" cy="9144000"/>
@@ -300,7 +302,7 @@
           <a:p>
             <a:fld id="{530820CF-B880-4189-942D-D702A7CBA730}" type="datetimeFigureOut">
               <a:rPr lang="zh-CN" altLang="en-US" smtClean="0"/>
-              <a:t>2016/3/9</a:t>
+              <a:t>2016/3/11</a:t>
             </a:fld>
             <a:endParaRPr lang="zh-CN" altLang="en-US"/>
           </a:p>
@@ -465,7 +467,7 @@
           <a:p>
             <a:fld id="{530820CF-B880-4189-942D-D702A7CBA730}" type="datetimeFigureOut">
               <a:rPr lang="zh-CN" altLang="en-US" smtClean="0"/>
-              <a:t>2016/3/9</a:t>
+              <a:t>2016/3/11</a:t>
             </a:fld>
             <a:endParaRPr lang="zh-CN" altLang="en-US"/>
           </a:p>
@@ -640,7 +642,7 @@
           <a:p>
             <a:fld id="{530820CF-B880-4189-942D-D702A7CBA730}" type="datetimeFigureOut">
               <a:rPr lang="zh-CN" altLang="en-US" smtClean="0"/>
-              <a:t>2016/3/9</a:t>
+              <a:t>2016/3/11</a:t>
             </a:fld>
             <a:endParaRPr lang="zh-CN" altLang="en-US"/>
           </a:p>
@@ -805,7 +807,7 @@
           <a:p>
             <a:fld id="{530820CF-B880-4189-942D-D702A7CBA730}" type="datetimeFigureOut">
               <a:rPr lang="zh-CN" altLang="en-US" smtClean="0"/>
-              <a:t>2016/3/9</a:t>
+              <a:t>2016/3/11</a:t>
             </a:fld>
             <a:endParaRPr lang="zh-CN" altLang="en-US"/>
           </a:p>
@@ -1046,7 +1048,7 @@
           <a:p>
             <a:fld id="{530820CF-B880-4189-942D-D702A7CBA730}" type="datetimeFigureOut">
               <a:rPr lang="zh-CN" altLang="en-US" smtClean="0"/>
-              <a:t>2016/3/9</a:t>
+              <a:t>2016/3/11</a:t>
             </a:fld>
             <a:endParaRPr lang="zh-CN" altLang="en-US"/>
           </a:p>
@@ -1329,7 +1331,7 @@
           <a:p>
             <a:fld id="{530820CF-B880-4189-942D-D702A7CBA730}" type="datetimeFigureOut">
               <a:rPr lang="zh-CN" altLang="en-US" smtClean="0"/>
-              <a:t>2016/3/9</a:t>
+              <a:t>2016/3/11</a:t>
             </a:fld>
             <a:endParaRPr lang="zh-CN" altLang="en-US"/>
           </a:p>
@@ -1746,7 +1748,7 @@
           <a:p>
             <a:fld id="{530820CF-B880-4189-942D-D702A7CBA730}" type="datetimeFigureOut">
               <a:rPr lang="zh-CN" altLang="en-US" smtClean="0"/>
-              <a:t>2016/3/9</a:t>
+              <a:t>2016/3/11</a:t>
             </a:fld>
             <a:endParaRPr lang="zh-CN" altLang="en-US"/>
           </a:p>
@@ -1859,7 +1861,7 @@
           <a:p>
             <a:fld id="{530820CF-B880-4189-942D-D702A7CBA730}" type="datetimeFigureOut">
               <a:rPr lang="zh-CN" altLang="en-US" smtClean="0"/>
-              <a:t>2016/3/9</a:t>
+              <a:t>2016/3/11</a:t>
             </a:fld>
             <a:endParaRPr lang="zh-CN" altLang="en-US"/>
           </a:p>
@@ -1949,7 +1951,7 @@
           <a:p>
             <a:fld id="{530820CF-B880-4189-942D-D702A7CBA730}" type="datetimeFigureOut">
               <a:rPr lang="zh-CN" altLang="en-US" smtClean="0"/>
-              <a:t>2016/3/9</a:t>
+              <a:t>2016/3/11</a:t>
             </a:fld>
             <a:endParaRPr lang="zh-CN" altLang="en-US"/>
           </a:p>
@@ -2221,7 +2223,7 @@
           <a:p>
             <a:fld id="{530820CF-B880-4189-942D-D702A7CBA730}" type="datetimeFigureOut">
               <a:rPr lang="zh-CN" altLang="en-US" smtClean="0"/>
-              <a:t>2016/3/9</a:t>
+              <a:t>2016/3/11</a:t>
             </a:fld>
             <a:endParaRPr lang="zh-CN" altLang="en-US"/>
           </a:p>
@@ -2469,7 +2471,7 @@
           <a:p>
             <a:fld id="{530820CF-B880-4189-942D-D702A7CBA730}" type="datetimeFigureOut">
               <a:rPr lang="zh-CN" altLang="en-US" smtClean="0"/>
-              <a:t>2016/3/9</a:t>
+              <a:t>2016/3/11</a:t>
             </a:fld>
             <a:endParaRPr lang="zh-CN" altLang="en-US"/>
           </a:p>
@@ -2677,7 +2679,7 @@
           <a:p>
             <a:fld id="{530820CF-B880-4189-942D-D702A7CBA730}" type="datetimeFigureOut">
               <a:rPr lang="zh-CN" altLang="en-US" smtClean="0"/>
-              <a:t>2016/3/9</a:t>
+              <a:t>2016/3/11</a:t>
             </a:fld>
             <a:endParaRPr lang="zh-CN" altLang="en-US"/>
           </a:p>
@@ -4063,7 +4065,7 @@
           <a:graphicData uri="http://schemas.openxmlformats.org/presentationml/2006/ole">
             <mc:AlternateContent xmlns:mc="http://schemas.openxmlformats.org/markup-compatibility/2006">
               <mc:Choice xmlns:v="urn:schemas-microsoft-com:vml" Requires="v">
-                <p:oleObj spid="_x0000_s4103" name="Equation" r:id="rId4" imgW="1041120" imgH="228600" progId="Equation.DSMT4">
+                <p:oleObj spid="_x0000_s4108" name="Equation" r:id="rId4" imgW="1041120" imgH="228600" progId="Equation.DSMT4">
                   <p:embed/>
                 </p:oleObj>
               </mc:Choice>
@@ -4521,7 +4523,7 @@
           <a:graphicData uri="http://schemas.openxmlformats.org/presentationml/2006/ole">
             <mc:AlternateContent xmlns:mc="http://schemas.openxmlformats.org/markup-compatibility/2006">
               <mc:Choice xmlns:v="urn:schemas-microsoft-com:vml" Requires="v">
-                <p:oleObj spid="_x0000_s5127" name="Equation" r:id="rId5" imgW="152280" imgH="139680" progId="Equation.DSMT4">
+                <p:oleObj spid="_x0000_s5132" name="Equation" r:id="rId5" imgW="152280" imgH="139680" progId="Equation.DSMT4">
                   <p:embed/>
                 </p:oleObj>
               </mc:Choice>
@@ -4719,6 +4721,700 @@
 </p:sld>
 </file>
 
+<file path=ppt/slides/slide14.xml><?xml version="1.0" encoding="utf-8"?>
+<p:sld xmlns:a="http://schemas.openxmlformats.org/drawingml/2006/main" xmlns:r="http://schemas.openxmlformats.org/officeDocument/2006/relationships" xmlns:p="http://schemas.openxmlformats.org/presentationml/2006/main">
+  <p:cSld>
+    <p:spTree>
+      <p:nvGrpSpPr>
+        <p:cNvPr id="1" name=""/>
+        <p:cNvGrpSpPr/>
+        <p:nvPr/>
+      </p:nvGrpSpPr>
+      <p:grpSpPr>
+        <a:xfrm>
+          <a:off x="0" y="0"/>
+          <a:ext cx="0" cy="0"/>
+          <a:chOff x="0" y="0"/>
+          <a:chExt cx="0" cy="0"/>
+        </a:xfrm>
+      </p:grpSpPr>
+      <p:sp>
+        <p:nvSpPr>
+          <p:cNvPr id="2" name="标题 1"/>
+          <p:cNvSpPr>
+            <a:spLocks noGrp="1"/>
+          </p:cNvSpPr>
+          <p:nvPr>
+            <p:ph type="title"/>
+          </p:nvPr>
+        </p:nvSpPr>
+        <p:spPr/>
+        <p:txBody>
+          <a:bodyPr>
+            <a:normAutofit/>
+          </a:bodyPr>
+          <a:lstStyle/>
+          <a:p>
+            <a:r>
+              <a:rPr lang="zh-CN" altLang="en-US" sz="3200" b="1" dirty="0" smtClean="0"/>
+              <a:t>基于隐马尔科夫模型的评价方法</a:t>
+            </a:r>
+            <a:endParaRPr lang="zh-CN" altLang="en-US" sz="3200" b="1" dirty="0"/>
+          </a:p>
+        </p:txBody>
+      </p:sp>
+      <p:sp>
+        <p:nvSpPr>
+          <p:cNvPr id="3" name="内容占位符 2"/>
+          <p:cNvSpPr>
+            <a:spLocks noGrp="1"/>
+          </p:cNvSpPr>
+          <p:nvPr>
+            <p:ph idx="1"/>
+          </p:nvPr>
+        </p:nvSpPr>
+        <p:spPr>
+          <a:xfrm>
+            <a:off x="457200" y="1600201"/>
+            <a:ext cx="8229600" cy="1036712"/>
+          </a:xfrm>
+        </p:spPr>
+        <p:txBody>
+          <a:bodyPr>
+            <a:normAutofit/>
+          </a:bodyPr>
+          <a:lstStyle/>
+          <a:p>
+            <a:pPr marL="0" indent="0">
+              <a:buNone/>
+            </a:pPr>
+            <a:r>
+              <a:rPr lang="zh-CN" altLang="en-US" sz="2000" b="1" dirty="0"/>
+              <a:t>隐马尔可夫模型 </a:t>
+            </a:r>
+            <a:r>
+              <a:rPr lang="en-US" altLang="zh-CN" sz="2000" dirty="0"/>
+              <a:t>(Hidden Markov Model) </a:t>
+            </a:r>
+            <a:r>
+              <a:rPr lang="zh-CN" altLang="en-US" sz="2000" dirty="0"/>
+              <a:t>是一种统计模型，用来描述一个含有隐含未知参数的</a:t>
+            </a:r>
+            <a:r>
+              <a:rPr lang="zh-CN" altLang="en-US" sz="2000" b="1" dirty="0"/>
+              <a:t>马尔可夫过程</a:t>
+            </a:r>
+            <a:r>
+              <a:rPr lang="zh-CN" altLang="en-US" sz="2000" dirty="0"/>
+              <a:t>。其难点是从可观察的参数中确定该过程的隐含参数，然后利用这些参数来作进一步的分析。</a:t>
+            </a:r>
+            <a:endParaRPr lang="zh-CN" altLang="en-US" sz="2000" dirty="0"/>
+          </a:p>
+        </p:txBody>
+      </p:sp>
+      <p:pic>
+        <p:nvPicPr>
+          <p:cNvPr id="6146" name="Picture 2"/>
+          <p:cNvPicPr>
+            <a:picLocks noChangeAspect="1" noChangeArrowheads="1"/>
+          </p:cNvPicPr>
+          <p:nvPr/>
+        </p:nvPicPr>
+        <p:blipFill>
+          <a:blip r:embed="rId3">
+            <a:extLst>
+              <a:ext uri="{28A0092B-C50C-407E-A947-70E740481C1C}">
+                <a14:useLocalDpi xmlns:a14="http://schemas.microsoft.com/office/drawing/2010/main" val="0"/>
+              </a:ext>
+            </a:extLst>
+          </a:blip>
+          <a:srcRect/>
+          <a:stretch>
+            <a:fillRect/>
+          </a:stretch>
+        </p:blipFill>
+        <p:spPr bwMode="auto">
+          <a:xfrm>
+            <a:off x="2843807" y="2636912"/>
+            <a:ext cx="3190875" cy="2276475"/>
+          </a:xfrm>
+          <a:prstGeom prst="rect">
+            <a:avLst/>
+          </a:prstGeom>
+          <a:noFill/>
+          <a:ln>
+            <a:noFill/>
+          </a:ln>
+          <a:extLst>
+            <a:ext uri="{909E8E84-426E-40DD-AFC4-6F175D3DCCD1}">
+              <a14:hiddenFill xmlns:a14="http://schemas.microsoft.com/office/drawing/2010/main">
+                <a:solidFill>
+                  <a:schemeClr val="accent1"/>
+                </a:solidFill>
+              </a14:hiddenFill>
+            </a:ext>
+            <a:ext uri="{91240B29-F687-4F45-9708-019B960494DF}">
+              <a14:hiddenLine xmlns:a14="http://schemas.microsoft.com/office/drawing/2010/main" w="9525">
+                <a:solidFill>
+                  <a:schemeClr val="tx1"/>
+                </a:solidFill>
+                <a:miter lim="800000"/>
+                <a:headEnd/>
+                <a:tailEnd/>
+              </a14:hiddenLine>
+            </a:ext>
+          </a:extLst>
+        </p:spPr>
+      </p:pic>
+      <p:sp>
+        <p:nvSpPr>
+          <p:cNvPr id="4" name="TextBox 3"/>
+          <p:cNvSpPr txBox="1"/>
+          <p:nvPr/>
+        </p:nvSpPr>
+        <p:spPr>
+          <a:xfrm>
+            <a:off x="1333178" y="4931295"/>
+            <a:ext cx="6768752" cy="307777"/>
+          </a:xfrm>
+          <a:prstGeom prst="rect">
+            <a:avLst/>
+          </a:prstGeom>
+          <a:noFill/>
+        </p:spPr>
+        <p:txBody>
+          <a:bodyPr wrap="square" rtlCol="0">
+            <a:spAutoFit/>
+          </a:bodyPr>
+          <a:lstStyle/>
+          <a:p>
+            <a:r>
+              <a:rPr lang="en-US" altLang="zh-CN" sz="1400" dirty="0"/>
+              <a:t>x </a:t>
+            </a:r>
+            <a:r>
+              <a:rPr lang="zh-CN" altLang="en-US" sz="1400" dirty="0"/>
+              <a:t>表示隐含状态，</a:t>
+            </a:r>
+            <a:r>
+              <a:rPr lang="en-US" altLang="zh-CN" sz="1400" dirty="0"/>
+              <a:t>y </a:t>
+            </a:r>
+            <a:r>
+              <a:rPr lang="zh-CN" altLang="en-US" sz="1400" dirty="0"/>
+              <a:t>表示可观察的输出，</a:t>
+            </a:r>
+            <a:r>
+              <a:rPr lang="en-US" altLang="zh-CN" sz="1400" dirty="0"/>
+              <a:t>a </a:t>
+            </a:r>
+            <a:r>
+              <a:rPr lang="zh-CN" altLang="en-US" sz="1400" dirty="0"/>
+              <a:t>表示状态转换概率，</a:t>
+            </a:r>
+            <a:r>
+              <a:rPr lang="en-US" altLang="zh-CN" sz="1400" dirty="0"/>
+              <a:t>b </a:t>
+            </a:r>
+            <a:r>
+              <a:rPr lang="zh-CN" altLang="en-US" sz="1400" dirty="0"/>
+              <a:t>表示输出概率</a:t>
+            </a:r>
+            <a:endParaRPr lang="zh-CN" altLang="en-US" sz="1400" dirty="0"/>
+          </a:p>
+        </p:txBody>
+      </p:sp>
+      <p:sp>
+        <p:nvSpPr>
+          <p:cNvPr id="7" name="TextBox 6"/>
+          <p:cNvSpPr txBox="1"/>
+          <p:nvPr/>
+        </p:nvSpPr>
+        <p:spPr>
+          <a:xfrm>
+            <a:off x="1331640" y="5301208"/>
+            <a:ext cx="6768752" cy="400110"/>
+          </a:xfrm>
+          <a:prstGeom prst="rect">
+            <a:avLst/>
+          </a:prstGeom>
+          <a:noFill/>
+        </p:spPr>
+        <p:txBody>
+          <a:bodyPr wrap="square" rtlCol="0">
+            <a:spAutoFit/>
+          </a:bodyPr>
+          <a:lstStyle/>
+          <a:p>
+            <a:r>
+              <a:rPr lang="zh-CN" altLang="en-US" sz="2000" dirty="0" smtClean="0"/>
+              <a:t>隐马尔科夫模型可用五元组                                     来描述</a:t>
+            </a:r>
+          </a:p>
+        </p:txBody>
+      </p:sp>
+      <p:graphicFrame>
+        <p:nvGraphicFramePr>
+          <p:cNvPr id="5" name="对象 4"/>
+          <p:cNvGraphicFramePr>
+            <a:graphicFrameLocks noChangeAspect="1"/>
+          </p:cNvGraphicFramePr>
+          <p:nvPr>
+            <p:extLst>
+              <p:ext uri="{D42A27DB-BD31-4B8C-83A1-F6EECF244321}">
+                <p14:modId xmlns:p14="http://schemas.microsoft.com/office/powerpoint/2010/main" val="2360437550"/>
+              </p:ext>
+            </p:extLst>
+          </p:nvPr>
+        </p:nvGraphicFramePr>
+        <p:xfrm>
+          <a:off x="4534710" y="5336227"/>
+          <a:ext cx="1909498" cy="325021"/>
+        </p:xfrm>
+        <a:graphic>
+          <a:graphicData uri="http://schemas.openxmlformats.org/presentationml/2006/ole">
+            <mc:AlternateContent xmlns:mc="http://schemas.openxmlformats.org/markup-compatibility/2006">
+              <mc:Choice xmlns:v="urn:schemas-microsoft-com:vml" Requires="v">
+                <p:oleObj spid="_x0000_s6148" name="Equation" r:id="rId4" imgW="1193760" imgH="203040" progId="Equation.DSMT4">
+                  <p:embed/>
+                </p:oleObj>
+              </mc:Choice>
+              <mc:Fallback>
+                <p:oleObj name="Equation" r:id="rId4" imgW="1193760" imgH="203040" progId="Equation.DSMT4">
+                  <p:embed/>
+                  <p:pic>
+                    <p:nvPicPr>
+                      <p:cNvPr id="0" name=""/>
+                      <p:cNvPicPr/>
+                      <p:nvPr/>
+                    </p:nvPicPr>
+                    <p:blipFill>
+                      <a:blip r:embed="rId5"/>
+                      <a:stretch>
+                        <a:fillRect/>
+                      </a:stretch>
+                    </p:blipFill>
+                    <p:spPr>
+                      <a:xfrm>
+                        <a:off x="4534710" y="5336227"/>
+                        <a:ext cx="1909498" cy="325021"/>
+                      </a:xfrm>
+                      <a:prstGeom prst="rect">
+                        <a:avLst/>
+                      </a:prstGeom>
+                    </p:spPr>
+                  </p:pic>
+                </p:oleObj>
+              </mc:Fallback>
+            </mc:AlternateContent>
+          </a:graphicData>
+        </a:graphic>
+      </p:graphicFrame>
+      <p:sp>
+        <p:nvSpPr>
+          <p:cNvPr id="11" name="TextBox 10"/>
+          <p:cNvSpPr txBox="1"/>
+          <p:nvPr/>
+        </p:nvSpPr>
+        <p:spPr>
+          <a:xfrm>
+            <a:off x="1115616" y="5733256"/>
+            <a:ext cx="6768752" cy="523220"/>
+          </a:xfrm>
+          <a:prstGeom prst="rect">
+            <a:avLst/>
+          </a:prstGeom>
+          <a:noFill/>
+        </p:spPr>
+        <p:txBody>
+          <a:bodyPr wrap="square" rtlCol="0">
+            <a:spAutoFit/>
+          </a:bodyPr>
+          <a:lstStyle/>
+          <a:p>
+            <a:r>
+              <a:rPr lang="en-US" altLang="zh-CN" sz="1400" dirty="0"/>
+              <a:t>N:</a:t>
+            </a:r>
+            <a:r>
+              <a:rPr lang="zh-CN" altLang="en-US" sz="1400" dirty="0"/>
+              <a:t>状态数目 </a:t>
+            </a:r>
+            <a:r>
+              <a:rPr lang="en-US" altLang="zh-CN" sz="1400" dirty="0"/>
+              <a:t>M:</a:t>
+            </a:r>
+            <a:r>
+              <a:rPr lang="zh-CN" altLang="en-US" sz="1400" dirty="0"/>
+              <a:t>每个状态可能的观察值数目 </a:t>
+            </a:r>
+            <a:r>
+              <a:rPr lang="en-US" altLang="zh-CN" sz="1400" dirty="0"/>
+              <a:t>A:</a:t>
+            </a:r>
+            <a:r>
+              <a:rPr lang="zh-CN" altLang="en-US" sz="1400" dirty="0"/>
+              <a:t>状态转移矩阵 </a:t>
+            </a:r>
+            <a:r>
+              <a:rPr lang="en-US" altLang="zh-CN" sz="1400" dirty="0"/>
+              <a:t>B:</a:t>
+            </a:r>
+            <a:r>
+              <a:rPr lang="zh-CN" altLang="en-US" sz="1400" dirty="0"/>
+              <a:t>每一个状态下每一个观测值对应的概率矩阵 </a:t>
+            </a:r>
+            <a:r>
+              <a:rPr lang="en-US" altLang="zh-CN" sz="1400" dirty="0"/>
+              <a:t>π:</a:t>
+            </a:r>
+            <a:r>
+              <a:rPr lang="zh-CN" altLang="en-US" sz="1400" dirty="0"/>
+              <a:t>状态初始概率</a:t>
+            </a:r>
+            <a:endParaRPr lang="zh-CN" altLang="en-US" sz="1400" dirty="0"/>
+          </a:p>
+        </p:txBody>
+      </p:sp>
+    </p:spTree>
+    <p:extLst>
+      <p:ext uri="{BB962C8B-B14F-4D97-AF65-F5344CB8AC3E}">
+        <p14:creationId xmlns:p14="http://schemas.microsoft.com/office/powerpoint/2010/main" val="1204103517"/>
+      </p:ext>
+    </p:extLst>
+  </p:cSld>
+  <p:clrMapOvr>
+    <a:masterClrMapping/>
+  </p:clrMapOvr>
+</p:sld>
+</file>
+
+<file path=ppt/slides/slide15.xml><?xml version="1.0" encoding="utf-8"?>
+<p:sld xmlns:a="http://schemas.openxmlformats.org/drawingml/2006/main" xmlns:r="http://schemas.openxmlformats.org/officeDocument/2006/relationships" xmlns:p="http://schemas.openxmlformats.org/presentationml/2006/main">
+  <p:cSld>
+    <p:spTree>
+      <p:nvGrpSpPr>
+        <p:cNvPr id="1" name=""/>
+        <p:cNvGrpSpPr/>
+        <p:nvPr/>
+      </p:nvGrpSpPr>
+      <p:grpSpPr>
+        <a:xfrm>
+          <a:off x="0" y="0"/>
+          <a:ext cx="0" cy="0"/>
+          <a:chOff x="0" y="0"/>
+          <a:chExt cx="0" cy="0"/>
+        </a:xfrm>
+      </p:grpSpPr>
+      <p:sp>
+        <p:nvSpPr>
+          <p:cNvPr id="2" name="标题 1"/>
+          <p:cNvSpPr>
+            <a:spLocks noGrp="1"/>
+          </p:cNvSpPr>
+          <p:nvPr>
+            <p:ph type="title"/>
+          </p:nvPr>
+        </p:nvSpPr>
+        <p:spPr/>
+        <p:txBody>
+          <a:bodyPr>
+            <a:normAutofit/>
+          </a:bodyPr>
+          <a:lstStyle/>
+          <a:p>
+            <a:r>
+              <a:rPr lang="zh-CN" altLang="en-US" sz="3200" b="1" dirty="0"/>
+              <a:t>基于隐马尔科夫模型的评价方法</a:t>
+            </a:r>
+            <a:endParaRPr lang="zh-CN" altLang="en-US" sz="3200" dirty="0"/>
+          </a:p>
+        </p:txBody>
+      </p:sp>
+      <p:sp>
+        <p:nvSpPr>
+          <p:cNvPr id="4" name="内容占位符 3"/>
+          <p:cNvSpPr txBox="1">
+            <a:spLocks noGrp="1"/>
+          </p:cNvSpPr>
+          <p:nvPr>
+            <p:ph idx="1"/>
+          </p:nvPr>
+        </p:nvSpPr>
+        <p:spPr>
+          <a:xfrm>
+            <a:off x="457200" y="1600200"/>
+            <a:ext cx="8229600" cy="1360372"/>
+          </a:xfrm>
+          <a:prstGeom prst="rect">
+            <a:avLst/>
+          </a:prstGeom>
+          <a:noFill/>
+        </p:spPr>
+        <p:txBody>
+          <a:bodyPr wrap="square" rtlCol="0">
+            <a:spAutoFit/>
+          </a:bodyPr>
+          <a:lstStyle/>
+          <a:p>
+            <a:r>
+              <a:rPr lang="zh-CN" altLang="en-US" sz="2000" b="1" dirty="0" smtClean="0"/>
+              <a:t>切入点：</a:t>
+            </a:r>
+            <a:r>
+              <a:rPr lang="zh-CN" altLang="en-US" sz="2000" dirty="0" smtClean="0"/>
+              <a:t>用户之前的体验会对当前体验造成较大的影响</a:t>
+            </a:r>
+            <a:endParaRPr lang="en-US" altLang="zh-CN" sz="2000" dirty="0" smtClean="0"/>
+          </a:p>
+          <a:p>
+            <a:r>
+              <a:rPr lang="zh-CN" altLang="en-US" sz="2000" b="1" dirty="0"/>
+              <a:t>两</a:t>
+            </a:r>
+            <a:r>
+              <a:rPr lang="zh-CN" altLang="en-US" sz="2000" b="1" dirty="0" smtClean="0"/>
+              <a:t>个假设：</a:t>
+            </a:r>
+            <a:endParaRPr lang="en-US" altLang="zh-CN" sz="2000" b="1" dirty="0" smtClean="0"/>
+          </a:p>
+          <a:p>
+            <a:pPr marL="457200" indent="-457200">
+              <a:buFont typeface="+mj-lt"/>
+              <a:buAutoNum type="arabicPeriod"/>
+            </a:pPr>
+            <a:r>
+              <a:rPr lang="zh-CN" altLang="en-US" sz="1600" dirty="0" smtClean="0"/>
+              <a:t>用户对服务的主观体验能够以会话为单位进行讨论；</a:t>
+            </a:r>
+            <a:endParaRPr lang="en-US" altLang="zh-CN" sz="1600" dirty="0" smtClean="0"/>
+          </a:p>
+          <a:p>
+            <a:pPr marL="457200" indent="-457200">
+              <a:buFont typeface="+mj-lt"/>
+              <a:buAutoNum type="arabicPeriod"/>
+            </a:pPr>
+            <a:r>
+              <a:rPr lang="zh-CN" altLang="en-US" sz="1600" dirty="0" smtClean="0"/>
+              <a:t>仅仅前一次会话的用户体验会对当前的体验造成影响</a:t>
+            </a:r>
+            <a:endParaRPr lang="zh-CN" altLang="en-US" sz="1600" dirty="0"/>
+          </a:p>
+        </p:txBody>
+      </p:sp>
+      <p:sp>
+        <p:nvSpPr>
+          <p:cNvPr id="5" name="TextBox 4"/>
+          <p:cNvSpPr txBox="1"/>
+          <p:nvPr/>
+        </p:nvSpPr>
+        <p:spPr>
+          <a:xfrm>
+            <a:off x="4211960" y="3212976"/>
+            <a:ext cx="4104456" cy="2139047"/>
+          </a:xfrm>
+          <a:prstGeom prst="rect">
+            <a:avLst/>
+          </a:prstGeom>
+          <a:noFill/>
+        </p:spPr>
+        <p:txBody>
+          <a:bodyPr wrap="square" rtlCol="0">
+            <a:spAutoFit/>
+          </a:bodyPr>
+          <a:lstStyle/>
+          <a:p>
+            <a:pPr marL="342900" indent="-342900">
+              <a:spcAft>
+                <a:spcPts val="3000"/>
+              </a:spcAft>
+              <a:buFont typeface="+mj-lt"/>
+              <a:buAutoNum type="arabicPeriod"/>
+            </a:pPr>
+            <a:r>
+              <a:rPr lang="zh-CN" altLang="en-US" dirty="0" smtClean="0"/>
+              <a:t>在已知</a:t>
+            </a:r>
+            <a:r>
+              <a:rPr lang="en-US" altLang="zh-CN" dirty="0" smtClean="0"/>
+              <a:t>HMM</a:t>
+            </a:r>
+            <a:r>
+              <a:rPr lang="zh-CN" altLang="en-US" dirty="0" smtClean="0"/>
+              <a:t>模型的情况</a:t>
+            </a:r>
+            <a:r>
+              <a:rPr lang="zh-CN" altLang="en-US" dirty="0"/>
+              <a:t>下，根据可观察状态的序列找到一个最可能的隐藏状态</a:t>
+            </a:r>
+            <a:r>
+              <a:rPr lang="zh-CN" altLang="en-US" dirty="0" smtClean="0"/>
+              <a:t>序列</a:t>
+            </a:r>
+            <a:endParaRPr lang="en-US" altLang="zh-CN" dirty="0" smtClean="0"/>
+          </a:p>
+          <a:p>
+            <a:pPr marL="342900" indent="-342900">
+              <a:spcAft>
+                <a:spcPts val="1800"/>
+              </a:spcAft>
+              <a:buFont typeface="+mj-lt"/>
+              <a:buAutoNum type="arabicPeriod"/>
+            </a:pPr>
+            <a:r>
+              <a:rPr lang="zh-CN" altLang="en-US" dirty="0" smtClean="0"/>
+              <a:t>在</a:t>
+            </a:r>
+            <a:r>
+              <a:rPr lang="en-US" altLang="zh-CN" dirty="0"/>
+              <a:t>HMM</a:t>
+            </a:r>
+            <a:r>
+              <a:rPr lang="zh-CN" altLang="en-US" dirty="0"/>
+              <a:t>模型未知的情况下，根据观     察到的序列集来找到一个最有可能的 </a:t>
+            </a:r>
+            <a:r>
+              <a:rPr lang="en-US" altLang="zh-CN" dirty="0" smtClean="0"/>
+              <a:t>HMM</a:t>
+            </a:r>
+          </a:p>
+        </p:txBody>
+      </p:sp>
+      <p:pic>
+        <p:nvPicPr>
+          <p:cNvPr id="7171" name="Picture 3"/>
+          <p:cNvPicPr>
+            <a:picLocks noChangeAspect="1" noChangeArrowheads="1"/>
+          </p:cNvPicPr>
+          <p:nvPr/>
+        </p:nvPicPr>
+        <p:blipFill>
+          <a:blip r:embed="rId2">
+            <a:extLst>
+              <a:ext uri="{28A0092B-C50C-407E-A947-70E740481C1C}">
+                <a14:useLocalDpi xmlns:a14="http://schemas.microsoft.com/office/drawing/2010/main" val="0"/>
+              </a:ext>
+            </a:extLst>
+          </a:blip>
+          <a:srcRect/>
+          <a:stretch>
+            <a:fillRect/>
+          </a:stretch>
+        </p:blipFill>
+        <p:spPr bwMode="auto">
+          <a:xfrm>
+            <a:off x="713631" y="2996952"/>
+            <a:ext cx="3138289" cy="3173289"/>
+          </a:xfrm>
+          <a:prstGeom prst="rect">
+            <a:avLst/>
+          </a:prstGeom>
+          <a:noFill/>
+          <a:ln>
+            <a:noFill/>
+          </a:ln>
+          <a:extLst>
+            <a:ext uri="{909E8E84-426E-40DD-AFC4-6F175D3DCCD1}">
+              <a14:hiddenFill xmlns:a14="http://schemas.microsoft.com/office/drawing/2010/main">
+                <a:solidFill>
+                  <a:schemeClr val="accent1"/>
+                </a:solidFill>
+              </a14:hiddenFill>
+            </a:ext>
+            <a:ext uri="{91240B29-F687-4F45-9708-019B960494DF}">
+              <a14:hiddenLine xmlns:a14="http://schemas.microsoft.com/office/drawing/2010/main" w="9525">
+                <a:solidFill>
+                  <a:schemeClr val="tx1"/>
+                </a:solidFill>
+                <a:miter lim="800000"/>
+                <a:headEnd/>
+                <a:tailEnd/>
+              </a14:hiddenLine>
+            </a:ext>
+          </a:extLst>
+        </p:spPr>
+      </p:pic>
+      <p:sp>
+        <p:nvSpPr>
+          <p:cNvPr id="6" name="TextBox 5"/>
+          <p:cNvSpPr txBox="1"/>
+          <p:nvPr/>
+        </p:nvSpPr>
+        <p:spPr>
+          <a:xfrm>
+            <a:off x="5580112" y="4059361"/>
+            <a:ext cx="1620180" cy="369332"/>
+          </a:xfrm>
+          <a:prstGeom prst="rect">
+            <a:avLst/>
+          </a:prstGeom>
+          <a:noFill/>
+        </p:spPr>
+        <p:txBody>
+          <a:bodyPr wrap="square" rtlCol="0">
+            <a:spAutoFit/>
+          </a:bodyPr>
+          <a:lstStyle/>
+          <a:p>
+            <a:r>
+              <a:rPr lang="en-US" altLang="zh-CN" b="1" dirty="0" smtClean="0"/>
+              <a:t>Viterbi</a:t>
+            </a:r>
+            <a:r>
+              <a:rPr lang="zh-CN" altLang="en-US" b="1" dirty="0" smtClean="0"/>
+              <a:t>算法</a:t>
+            </a:r>
+            <a:endParaRPr lang="zh-CN" altLang="en-US" b="1" dirty="0"/>
+          </a:p>
+        </p:txBody>
+      </p:sp>
+      <p:sp>
+        <p:nvSpPr>
+          <p:cNvPr id="10" name="TextBox 9"/>
+          <p:cNvSpPr txBox="1"/>
+          <p:nvPr/>
+        </p:nvSpPr>
+        <p:spPr>
+          <a:xfrm>
+            <a:off x="5418094" y="5291916"/>
+            <a:ext cx="1944216" cy="369332"/>
+          </a:xfrm>
+          <a:prstGeom prst="rect">
+            <a:avLst/>
+          </a:prstGeom>
+          <a:noFill/>
+        </p:spPr>
+        <p:txBody>
+          <a:bodyPr wrap="square" rtlCol="0">
+            <a:spAutoFit/>
+          </a:bodyPr>
+          <a:lstStyle/>
+          <a:p>
+            <a:r>
+              <a:rPr lang="en-US" altLang="zh-CN" b="1" dirty="0" smtClean="0"/>
+              <a:t>Baum-Welch</a:t>
+            </a:r>
+            <a:r>
+              <a:rPr lang="zh-CN" altLang="en-US" b="1" dirty="0" smtClean="0"/>
+              <a:t>算法</a:t>
+            </a:r>
+            <a:endParaRPr lang="zh-CN" altLang="en-US" b="1" dirty="0"/>
+          </a:p>
+        </p:txBody>
+      </p:sp>
+    </p:spTree>
+    <p:extLst>
+      <p:ext uri="{BB962C8B-B14F-4D97-AF65-F5344CB8AC3E}">
+        <p14:creationId xmlns:p14="http://schemas.microsoft.com/office/powerpoint/2010/main" val="782078538"/>
+      </p:ext>
+    </p:extLst>
+  </p:cSld>
+  <p:clrMapOvr>
+    <a:masterClrMapping/>
+  </p:clrMapOvr>
+</p:sld>
+</file>
+
 <file path=ppt/slides/slide2.xml><?xml version="1.0" encoding="utf-8"?>
 <p:sld xmlns:a="http://schemas.openxmlformats.org/drawingml/2006/main" xmlns:r="http://schemas.openxmlformats.org/officeDocument/2006/relationships" xmlns:p="http://schemas.openxmlformats.org/presentationml/2006/main">
   <p:cSld>
@@ -4848,7 +5544,7 @@
           <a:graphicData uri="http://schemas.openxmlformats.org/presentationml/2006/ole">
             <mc:AlternateContent xmlns:mc="http://schemas.openxmlformats.org/markup-compatibility/2006">
               <mc:Choice xmlns:v="urn:schemas-microsoft-com:vml" Requires="v">
-                <p:oleObj spid="_x0000_s3106" name="Equation" r:id="rId3" imgW="507960" imgH="393480" progId="Equation.DSMT4">
+                <p:oleObj spid="_x0000_s3131" name="Equation" r:id="rId3" imgW="507960" imgH="393480" progId="Equation.DSMT4">
                   <p:embed/>
                 </p:oleObj>
               </mc:Choice>
@@ -4985,7 +5681,7 @@
           <a:graphicData uri="http://schemas.openxmlformats.org/presentationml/2006/ole">
             <mc:AlternateContent xmlns:mc="http://schemas.openxmlformats.org/markup-compatibility/2006">
               <mc:Choice xmlns:v="urn:schemas-microsoft-com:vml" Requires="v">
-                <p:oleObj spid="_x0000_s3107" name="Equation" r:id="rId5" imgW="799920" imgH="393480" progId="Equation.DSMT4">
+                <p:oleObj spid="_x0000_s3132" name="Equation" r:id="rId5" imgW="799920" imgH="393480" progId="Equation.DSMT4">
                   <p:embed/>
                 </p:oleObj>
               </mc:Choice>
@@ -5042,7 +5738,7 @@
           <a:graphicData uri="http://schemas.openxmlformats.org/presentationml/2006/ole">
             <mc:AlternateContent xmlns:mc="http://schemas.openxmlformats.org/markup-compatibility/2006">
               <mc:Choice xmlns:v="urn:schemas-microsoft-com:vml" Requires="v">
-                <p:oleObj spid="_x0000_s3108" name="Equation" r:id="rId7" imgW="850680" imgH="431640" progId="Equation.DSMT4">
+                <p:oleObj spid="_x0000_s3133" name="Equation" r:id="rId7" imgW="850680" imgH="431640" progId="Equation.DSMT4">
                   <p:embed/>
                 </p:oleObj>
               </mc:Choice>
@@ -5141,7 +5837,7 @@
           <a:graphicData uri="http://schemas.openxmlformats.org/presentationml/2006/ole">
             <mc:AlternateContent xmlns:mc="http://schemas.openxmlformats.org/markup-compatibility/2006">
               <mc:Choice xmlns:v="urn:schemas-microsoft-com:vml" Requires="v">
-                <p:oleObj spid="_x0000_s3109" name="Equation" r:id="rId9" imgW="241200" imgH="393480" progId="Equation.DSMT4">
+                <p:oleObj spid="_x0000_s3134" name="Equation" r:id="rId9" imgW="241200" imgH="393480" progId="Equation.DSMT4">
                   <p:embed/>
                 </p:oleObj>
               </mc:Choice>
@@ -5236,7 +5932,7 @@
           <a:graphicData uri="http://schemas.openxmlformats.org/presentationml/2006/ole">
             <mc:AlternateContent xmlns:mc="http://schemas.openxmlformats.org/markup-compatibility/2006">
               <mc:Choice xmlns:v="urn:schemas-microsoft-com:vml" Requires="v">
-                <p:oleObj spid="_x0000_s3110" name="Equation" r:id="rId11" imgW="177480" imgH="228600" progId="Equation.DSMT4">
+                <p:oleObj spid="_x0000_s3135" name="Equation" r:id="rId11" imgW="177480" imgH="228600" progId="Equation.DSMT4">
                   <p:embed/>
                 </p:oleObj>
               </mc:Choice>
@@ -5600,7 +6296,7 @@
           <a:graphicData uri="http://schemas.openxmlformats.org/presentationml/2006/ole">
             <mc:AlternateContent xmlns:mc="http://schemas.openxmlformats.org/markup-compatibility/2006">
               <mc:Choice xmlns:v="urn:schemas-microsoft-com:vml" Requires="v">
-                <p:oleObj spid="_x0000_s2115" name="Equation" r:id="rId3" imgW="1422360" imgH="241200" progId="Equation.DSMT4">
+                <p:oleObj spid="_x0000_s2150" name="Equation" r:id="rId3" imgW="1422360" imgH="241200" progId="Equation.DSMT4">
                   <p:embed/>
                 </p:oleObj>
               </mc:Choice>
@@ -5657,7 +6353,7 @@
           <a:graphicData uri="http://schemas.openxmlformats.org/presentationml/2006/ole">
             <mc:AlternateContent xmlns:mc="http://schemas.openxmlformats.org/markup-compatibility/2006">
               <mc:Choice xmlns:v="urn:schemas-microsoft-com:vml" Requires="v">
-                <p:oleObj spid="_x0000_s2116" name="Equation" r:id="rId5" imgW="1498320" imgH="241200" progId="Equation.DSMT4">
+                <p:oleObj spid="_x0000_s2151" name="Equation" r:id="rId5" imgW="1498320" imgH="241200" progId="Equation.DSMT4">
                   <p:embed/>
                 </p:oleObj>
               </mc:Choice>
@@ -5714,7 +6410,7 @@
           <a:graphicData uri="http://schemas.openxmlformats.org/presentationml/2006/ole">
             <mc:AlternateContent xmlns:mc="http://schemas.openxmlformats.org/markup-compatibility/2006">
               <mc:Choice xmlns:v="urn:schemas-microsoft-com:vml" Requires="v">
-                <p:oleObj spid="_x0000_s2117" name="Equation" r:id="rId7" imgW="1942920" imgH="241200" progId="Equation.DSMT4">
+                <p:oleObj spid="_x0000_s2152" name="Equation" r:id="rId7" imgW="1942920" imgH="241200" progId="Equation.DSMT4">
                   <p:embed/>
                 </p:oleObj>
               </mc:Choice>
@@ -5875,7 +6571,7 @@
           <a:graphicData uri="http://schemas.openxmlformats.org/presentationml/2006/ole">
             <mc:AlternateContent xmlns:mc="http://schemas.openxmlformats.org/markup-compatibility/2006">
               <mc:Choice xmlns:v="urn:schemas-microsoft-com:vml" Requires="v">
-                <p:oleObj spid="_x0000_s2118" name="Equation" r:id="rId9" imgW="634680" imgH="431640" progId="Equation.DSMT4">
+                <p:oleObj spid="_x0000_s2153" name="Equation" r:id="rId9" imgW="634680" imgH="431640" progId="Equation.DSMT4">
                   <p:embed/>
                 </p:oleObj>
               </mc:Choice>
@@ -5932,7 +6628,7 @@
           <a:graphicData uri="http://schemas.openxmlformats.org/presentationml/2006/ole">
             <mc:AlternateContent xmlns:mc="http://schemas.openxmlformats.org/markup-compatibility/2006">
               <mc:Choice xmlns:v="urn:schemas-microsoft-com:vml" Requires="v">
-                <p:oleObj spid="_x0000_s2119" name="Equation" r:id="rId11" imgW="914400" imgH="198720" progId="Equation.DSMT4">
+                <p:oleObj spid="_x0000_s2154" name="Equation" r:id="rId11" imgW="914400" imgH="198720" progId="Equation.DSMT4">
                   <p:embed/>
                 </p:oleObj>
               </mc:Choice>
@@ -5989,7 +6685,7 @@
           <a:graphicData uri="http://schemas.openxmlformats.org/presentationml/2006/ole">
             <mc:AlternateContent xmlns:mc="http://schemas.openxmlformats.org/markup-compatibility/2006">
               <mc:Choice xmlns:v="urn:schemas-microsoft-com:vml" Requires="v">
-                <p:oleObj spid="_x0000_s2120" name="Equation" r:id="rId13" imgW="1117440" imgH="444240" progId="Equation.DSMT4">
+                <p:oleObj spid="_x0000_s2155" name="Equation" r:id="rId13" imgW="1117440" imgH="444240" progId="Equation.DSMT4">
                   <p:embed/>
                 </p:oleObj>
               </mc:Choice>
@@ -6046,7 +6742,7 @@
           <a:graphicData uri="http://schemas.openxmlformats.org/presentationml/2006/ole">
             <mc:AlternateContent xmlns:mc="http://schemas.openxmlformats.org/markup-compatibility/2006">
               <mc:Choice xmlns:v="urn:schemas-microsoft-com:vml" Requires="v">
-                <p:oleObj spid="_x0000_s2121" name="Equation" r:id="rId15" imgW="2108160" imgH="596880" progId="Equation.DSMT4">
+                <p:oleObj spid="_x0000_s2156" name="Equation" r:id="rId15" imgW="2108160" imgH="596880" progId="Equation.DSMT4">
                   <p:embed/>
                 </p:oleObj>
               </mc:Choice>
@@ -6842,7 +7538,7 @@
           <a:graphicData uri="http://schemas.openxmlformats.org/presentationml/2006/ole">
             <mc:AlternateContent xmlns:mc="http://schemas.openxmlformats.org/markup-compatibility/2006">
               <mc:Choice xmlns:v="urn:schemas-microsoft-com:vml" Requires="v">
-                <p:oleObj spid="_x0000_s1089" name="Equation" r:id="rId3" imgW="914400" imgH="198720" progId="Equation.DSMT4">
+                <p:oleObj spid="_x0000_s1114" name="Equation" r:id="rId3" imgW="914400" imgH="198720" progId="Equation.DSMT4">
                   <p:embed/>
                 </p:oleObj>
               </mc:Choice>
@@ -6899,7 +7595,7 @@
           <a:graphicData uri="http://schemas.openxmlformats.org/presentationml/2006/ole">
             <mc:AlternateContent xmlns:mc="http://schemas.openxmlformats.org/markup-compatibility/2006">
               <mc:Choice xmlns:v="urn:schemas-microsoft-com:vml" Requires="v">
-                <p:oleObj spid="_x0000_s1090" name="Equation" r:id="rId5" imgW="914400" imgH="198720" progId="Equation.DSMT4">
+                <p:oleObj spid="_x0000_s1115" name="Equation" r:id="rId5" imgW="914400" imgH="198720" progId="Equation.DSMT4">
                   <p:embed/>
                 </p:oleObj>
               </mc:Choice>
@@ -6956,7 +7652,7 @@
           <a:graphicData uri="http://schemas.openxmlformats.org/presentationml/2006/ole">
             <mc:AlternateContent xmlns:mc="http://schemas.openxmlformats.org/markup-compatibility/2006">
               <mc:Choice xmlns:v="urn:schemas-microsoft-com:vml" Requires="v">
-                <p:oleObj spid="_x0000_s1091" name="Equation" r:id="rId7" imgW="2209680" imgH="431640" progId="Equation.DSMT4">
+                <p:oleObj spid="_x0000_s1116" name="Equation" r:id="rId7" imgW="2209680" imgH="431640" progId="Equation.DSMT4">
                   <p:embed/>
                 </p:oleObj>
               </mc:Choice>
@@ -7013,7 +7709,7 @@
           <a:graphicData uri="http://schemas.openxmlformats.org/presentationml/2006/ole">
             <mc:AlternateContent xmlns:mc="http://schemas.openxmlformats.org/markup-compatibility/2006">
               <mc:Choice xmlns:v="urn:schemas-microsoft-com:vml" Requires="v">
-                <p:oleObj spid="_x0000_s1092" name="Equation" r:id="rId9" imgW="152280" imgH="228600" progId="Equation.DSMT4">
+                <p:oleObj spid="_x0000_s1117" name="Equation" r:id="rId9" imgW="152280" imgH="228600" progId="Equation.DSMT4">
                   <p:embed/>
                 </p:oleObj>
               </mc:Choice>
@@ -7070,7 +7766,7 @@
           <a:graphicData uri="http://schemas.openxmlformats.org/presentationml/2006/ole">
             <mc:AlternateContent xmlns:mc="http://schemas.openxmlformats.org/markup-compatibility/2006">
               <mc:Choice xmlns:v="urn:schemas-microsoft-com:vml" Requires="v">
-                <p:oleObj spid="_x0000_s1093" name="Equation" r:id="rId11" imgW="3301920" imgH="355320" progId="Equation.DSMT4">
+                <p:oleObj spid="_x0000_s1118" name="Equation" r:id="rId11" imgW="3301920" imgH="355320" progId="Equation.DSMT4">
                   <p:embed/>
                 </p:oleObj>
               </mc:Choice>
